--- a/109061634_report.pptx
+++ b/109061634_report.pptx
@@ -12,16 +12,17 @@
     <p:sldId id="262" r:id="rId6"/>
     <p:sldId id="259" r:id="rId7"/>
     <p:sldId id="260" r:id="rId8"/>
-    <p:sldId id="264" r:id="rId9"/>
-    <p:sldId id="265" r:id="rId10"/>
-    <p:sldId id="266" r:id="rId11"/>
-    <p:sldId id="267" r:id="rId12"/>
-    <p:sldId id="268" r:id="rId13"/>
-    <p:sldId id="269" r:id="rId14"/>
-    <p:sldId id="270" r:id="rId15"/>
-    <p:sldId id="271" r:id="rId16"/>
-    <p:sldId id="272" r:id="rId17"/>
-    <p:sldId id="273" r:id="rId18"/>
+    <p:sldId id="274" r:id="rId9"/>
+    <p:sldId id="264" r:id="rId10"/>
+    <p:sldId id="265" r:id="rId11"/>
+    <p:sldId id="266" r:id="rId12"/>
+    <p:sldId id="267" r:id="rId13"/>
+    <p:sldId id="268" r:id="rId14"/>
+    <p:sldId id="269" r:id="rId15"/>
+    <p:sldId id="270" r:id="rId16"/>
+    <p:sldId id="271" r:id="rId17"/>
+    <p:sldId id="272" r:id="rId18"/>
+    <p:sldId id="273" r:id="rId19"/>
   </p:sldIdLst>
   <p:sldSz cx="12192000" cy="6858000"/>
   <p:notesSz cx="6858000" cy="9144000"/>
@@ -3466,6 +3467,913 @@
       </p:grpSpPr>
       <p:sp>
         <p:nvSpPr>
+          <p:cNvPr id="2" name="標題 1">
+            <a:extLst>
+              <a:ext uri="{FF2B5EF4-FFF2-40B4-BE49-F238E27FC236}">
+                <a16:creationId xmlns:a16="http://schemas.microsoft.com/office/drawing/2014/main" id="{29DD1685-9595-4D60-8892-AE896C9A8976}"/>
+              </a:ext>
+            </a:extLst>
+          </p:cNvPr>
+          <p:cNvSpPr>
+            <a:spLocks noGrp="1"/>
+          </p:cNvSpPr>
+          <p:nvPr>
+            <p:ph type="title"/>
+          </p:nvPr>
+        </p:nvSpPr>
+        <p:spPr/>
+        <p:txBody>
+          <a:bodyPr/>
+          <a:lstStyle/>
+          <a:p>
+            <a:r>
+              <a:rPr lang="en-US" altLang="zh-TW" dirty="0"/>
+              <a:t>HLS run time</a:t>
+            </a:r>
+            <a:endParaRPr lang="zh-TW" altLang="en-US" dirty="0"/>
+          </a:p>
+        </p:txBody>
+      </p:sp>
+      <p:graphicFrame>
+        <p:nvGraphicFramePr>
+          <p:cNvPr id="10" name="內容版面配置區 9">
+            <a:extLst>
+              <a:ext uri="{FF2B5EF4-FFF2-40B4-BE49-F238E27FC236}">
+                <a16:creationId xmlns:a16="http://schemas.microsoft.com/office/drawing/2014/main" id="{8424CFF0-71D5-4EDB-9805-DBE83FABBD28}"/>
+              </a:ext>
+            </a:extLst>
+          </p:cNvPr>
+          <p:cNvGraphicFramePr>
+            <a:graphicFrameLocks noGrp="1"/>
+          </p:cNvGraphicFramePr>
+          <p:nvPr>
+            <p:ph idx="1"/>
+            <p:extLst>
+              <p:ext uri="{D42A27DB-BD31-4B8C-83A1-F6EECF244321}">
+                <p14:modId xmlns:p14="http://schemas.microsoft.com/office/powerpoint/2010/main" val="411692792"/>
+              </p:ext>
+            </p:extLst>
+          </p:nvPr>
+        </p:nvGraphicFramePr>
+        <p:xfrm>
+          <a:off x="838200" y="1825625"/>
+          <a:ext cx="10515600" cy="1112520"/>
+        </p:xfrm>
+        <a:graphic>
+          <a:graphicData uri="http://schemas.openxmlformats.org/drawingml/2006/table">
+            <a:tbl>
+              <a:tblPr firstRow="1" bandRow="1">
+                <a:tableStyleId>{5C22544A-7EE6-4342-B048-85BDC9FD1C3A}</a:tableStyleId>
+              </a:tblPr>
+              <a:tblGrid>
+                <a:gridCol w="2628900">
+                  <a:extLst>
+                    <a:ext uri="{9D8B030D-6E8A-4147-A177-3AD203B41FA5}">
+                      <a16:colId xmlns:a16="http://schemas.microsoft.com/office/drawing/2014/main" val="1888125318"/>
+                    </a:ext>
+                  </a:extLst>
+                </a:gridCol>
+                <a:gridCol w="2628900">
+                  <a:extLst>
+                    <a:ext uri="{9D8B030D-6E8A-4147-A177-3AD203B41FA5}">
+                      <a16:colId xmlns:a16="http://schemas.microsoft.com/office/drawing/2014/main" val="3236254234"/>
+                    </a:ext>
+                  </a:extLst>
+                </a:gridCol>
+                <a:gridCol w="2628900">
+                  <a:extLst>
+                    <a:ext uri="{9D8B030D-6E8A-4147-A177-3AD203B41FA5}">
+                      <a16:colId xmlns:a16="http://schemas.microsoft.com/office/drawing/2014/main" val="2983025143"/>
+                    </a:ext>
+                  </a:extLst>
+                </a:gridCol>
+                <a:gridCol w="2628900">
+                  <a:extLst>
+                    <a:ext uri="{9D8B030D-6E8A-4147-A177-3AD203B41FA5}">
+                      <a16:colId xmlns:a16="http://schemas.microsoft.com/office/drawing/2014/main" val="2518666767"/>
+                    </a:ext>
+                  </a:extLst>
+                </a:gridCol>
+              </a:tblGrid>
+              <a:tr h="370840">
+                <a:tc>
+                  <a:txBody>
+                    <a:bodyPr/>
+                    <a:lstStyle/>
+                    <a:p>
+                      <a:pPr algn="ctr"/>
+                      <a:r>
+                        <a:rPr lang="en-US" altLang="zh-TW" sz="1800" dirty="0"/>
+                        <a:t>(</a:t>
+                      </a:r>
+                      <a:r>
+                        <a:rPr lang="en-US" altLang="zh-TW" sz="1800" dirty="0" err="1"/>
+                        <a:t>ms</a:t>
+                      </a:r>
+                      <a:r>
+                        <a:rPr lang="en-US" altLang="zh-TW" sz="1800" dirty="0"/>
+                        <a:t>)</a:t>
+                      </a:r>
+                      <a:endParaRPr lang="zh-TW" altLang="en-US" sz="1800" dirty="0"/>
+                    </a:p>
+                  </a:txBody>
+                  <a:tcPr/>
+                </a:tc>
+                <a:tc>
+                  <a:txBody>
+                    <a:bodyPr/>
+                    <a:lstStyle/>
+                    <a:p>
+                      <a:pPr marL="0" marR="0" lvl="0" indent="0" algn="ctr" defTabSz="914400" rtl="0" eaLnBrk="1" fontAlgn="auto" latinLnBrk="0" hangingPunct="1">
+                        <a:lnSpc>
+                          <a:spcPct val="100000"/>
+                        </a:lnSpc>
+                        <a:spcBef>
+                          <a:spcPts val="0"/>
+                        </a:spcBef>
+                        <a:spcAft>
+                          <a:spcPts val="0"/>
+                        </a:spcAft>
+                        <a:buClrTx/>
+                        <a:buSzTx/>
+                        <a:buFontTx/>
+                        <a:buNone/>
+                        <a:tabLst/>
+                        <a:defRPr/>
+                      </a:pPr>
+                      <a:r>
+                        <a:rPr lang="en-US" altLang="zh-TW" sz="1800" dirty="0"/>
+                        <a:t>Version 1</a:t>
+                      </a:r>
+                    </a:p>
+                  </a:txBody>
+                  <a:tcPr/>
+                </a:tc>
+                <a:tc>
+                  <a:txBody>
+                    <a:bodyPr/>
+                    <a:lstStyle/>
+                    <a:p>
+                      <a:pPr marL="0" marR="0" lvl="0" indent="0" algn="ctr" defTabSz="914400" rtl="0" eaLnBrk="1" fontAlgn="auto" latinLnBrk="0" hangingPunct="1">
+                        <a:lnSpc>
+                          <a:spcPct val="100000"/>
+                        </a:lnSpc>
+                        <a:spcBef>
+                          <a:spcPts val="0"/>
+                        </a:spcBef>
+                        <a:spcAft>
+                          <a:spcPts val="0"/>
+                        </a:spcAft>
+                        <a:buClrTx/>
+                        <a:buSzTx/>
+                        <a:buFontTx/>
+                        <a:buNone/>
+                        <a:tabLst/>
+                        <a:defRPr/>
+                      </a:pPr>
+                      <a:r>
+                        <a:rPr lang="en-US" altLang="zh-TW" sz="1800" dirty="0"/>
+                        <a:t>Version 2</a:t>
+                      </a:r>
+                    </a:p>
+                  </a:txBody>
+                  <a:tcPr/>
+                </a:tc>
+                <a:tc>
+                  <a:txBody>
+                    <a:bodyPr/>
+                    <a:lstStyle/>
+                    <a:p>
+                      <a:pPr marL="0" marR="0" lvl="0" indent="0" algn="ctr" defTabSz="914400" rtl="0" eaLnBrk="1" fontAlgn="auto" latinLnBrk="0" hangingPunct="1">
+                        <a:lnSpc>
+                          <a:spcPct val="100000"/>
+                        </a:lnSpc>
+                        <a:spcBef>
+                          <a:spcPts val="0"/>
+                        </a:spcBef>
+                        <a:spcAft>
+                          <a:spcPts val="0"/>
+                        </a:spcAft>
+                        <a:buClrTx/>
+                        <a:buSzTx/>
+                        <a:buFontTx/>
+                        <a:buNone/>
+                        <a:tabLst/>
+                        <a:defRPr/>
+                      </a:pPr>
+                      <a:r>
+                        <a:rPr lang="en-US" altLang="zh-TW" sz="1800" dirty="0"/>
+                        <a:t>Version 3</a:t>
+                      </a:r>
+                    </a:p>
+                  </a:txBody>
+                  <a:tcPr/>
+                </a:tc>
+                <a:extLst>
+                  <a:ext uri="{0D108BD9-81ED-4DB2-BD59-A6C34878D82A}">
+                    <a16:rowId xmlns:a16="http://schemas.microsoft.com/office/drawing/2014/main" val="1944575248"/>
+                  </a:ext>
+                </a:extLst>
+              </a:tr>
+              <a:tr h="370840">
+                <a:tc>
+                  <a:txBody>
+                    <a:bodyPr/>
+                    <a:lstStyle/>
+                    <a:p>
+                      <a:pPr algn="ctr"/>
+                      <a:r>
+                        <a:rPr lang="en-US" altLang="zh-TW" sz="1800" dirty="0"/>
+                        <a:t>BASIC</a:t>
+                      </a:r>
+                      <a:endParaRPr lang="zh-TW" altLang="en-US" sz="1800" dirty="0"/>
+                    </a:p>
+                  </a:txBody>
+                  <a:tcPr/>
+                </a:tc>
+                <a:tc>
+                  <a:txBody>
+                    <a:bodyPr/>
+                    <a:lstStyle/>
+                    <a:p>
+                      <a:pPr algn="ctr">
+                        <a:spcAft>
+                          <a:spcPts val="0"/>
+                        </a:spcAft>
+                      </a:pPr>
+                      <a:r>
+                        <a:rPr lang="en-US" sz="1800" kern="100" dirty="0">
+                          <a:effectLst/>
+                          <a:latin typeface="Calibri" panose="020F0502020204030204" pitchFamily="34" charset="0"/>
+                          <a:ea typeface="新細明體" panose="02020500000000000000" pitchFamily="18" charset="-120"/>
+                          <a:cs typeface="Times New Roman" panose="02020603050405020304" pitchFamily="18" charset="0"/>
+                        </a:rPr>
+                        <a:t>268.433240</a:t>
+                      </a:r>
+                      <a:endParaRPr lang="zh-TW" sz="1800" kern="100" dirty="0">
+                        <a:effectLst/>
+                        <a:latin typeface="Calibri" panose="020F0502020204030204" pitchFamily="34" charset="0"/>
+                        <a:ea typeface="新細明體" panose="02020500000000000000" pitchFamily="18" charset="-120"/>
+                        <a:cs typeface="Times New Roman" panose="02020603050405020304" pitchFamily="18" charset="0"/>
+                      </a:endParaRPr>
+                    </a:p>
+                  </a:txBody>
+                  <a:tcPr marL="68580" marR="68580" marT="0" marB="0"/>
+                </a:tc>
+                <a:tc>
+                  <a:txBody>
+                    <a:bodyPr/>
+                    <a:lstStyle/>
+                    <a:p>
+                      <a:pPr algn="ctr">
+                        <a:spcAft>
+                          <a:spcPts val="0"/>
+                        </a:spcAft>
+                      </a:pPr>
+                      <a:r>
+                        <a:rPr lang="en-US" sz="1800" kern="100" dirty="0">
+                          <a:effectLst/>
+                          <a:latin typeface="Calibri" panose="020F0502020204030204" pitchFamily="34" charset="0"/>
+                          <a:ea typeface="新細明體" panose="02020500000000000000" pitchFamily="18" charset="-120"/>
+                          <a:cs typeface="Times New Roman" panose="02020603050405020304" pitchFamily="18" charset="0"/>
+                        </a:rPr>
+                        <a:t>184.658440 </a:t>
+                      </a:r>
+                      <a:endParaRPr lang="zh-TW" sz="1800" kern="100" dirty="0">
+                        <a:effectLst/>
+                        <a:latin typeface="Calibri" panose="020F0502020204030204" pitchFamily="34" charset="0"/>
+                        <a:ea typeface="新細明體" panose="02020500000000000000" pitchFamily="18" charset="-120"/>
+                        <a:cs typeface="Times New Roman" panose="02020603050405020304" pitchFamily="18" charset="0"/>
+                      </a:endParaRPr>
+                    </a:p>
+                  </a:txBody>
+                  <a:tcPr marL="68580" marR="68580" marT="0" marB="0"/>
+                </a:tc>
+                <a:tc>
+                  <a:txBody>
+                    <a:bodyPr/>
+                    <a:lstStyle/>
+                    <a:p>
+                      <a:pPr algn="ctr">
+                        <a:spcAft>
+                          <a:spcPts val="0"/>
+                        </a:spcAft>
+                      </a:pPr>
+                      <a:r>
+                        <a:rPr lang="en-US" sz="1800" kern="100" dirty="0">
+                          <a:effectLst/>
+                          <a:latin typeface="Calibri" panose="020F0502020204030204" pitchFamily="34" charset="0"/>
+                          <a:ea typeface="新細明體" panose="02020500000000000000" pitchFamily="18" charset="-120"/>
+                          <a:cs typeface="Times New Roman" panose="02020603050405020304" pitchFamily="18" charset="0"/>
+                        </a:rPr>
+                        <a:t>51.136900</a:t>
+                      </a:r>
+                      <a:endParaRPr lang="zh-TW" sz="1800" kern="100" dirty="0">
+                        <a:effectLst/>
+                        <a:latin typeface="Calibri" panose="020F0502020204030204" pitchFamily="34" charset="0"/>
+                        <a:ea typeface="新細明體" panose="02020500000000000000" pitchFamily="18" charset="-120"/>
+                        <a:cs typeface="Times New Roman" panose="02020603050405020304" pitchFamily="18" charset="0"/>
+                      </a:endParaRPr>
+                    </a:p>
+                  </a:txBody>
+                  <a:tcPr marL="68580" marR="68580" marT="0" marB="0"/>
+                </a:tc>
+                <a:extLst>
+                  <a:ext uri="{0D108BD9-81ED-4DB2-BD59-A6C34878D82A}">
+                    <a16:rowId xmlns:a16="http://schemas.microsoft.com/office/drawing/2014/main" val="119569299"/>
+                  </a:ext>
+                </a:extLst>
+              </a:tr>
+              <a:tr h="370840">
+                <a:tc>
+                  <a:txBody>
+                    <a:bodyPr/>
+                    <a:lstStyle/>
+                    <a:p>
+                      <a:pPr algn="ctr"/>
+                      <a:r>
+                        <a:rPr lang="en-US" altLang="zh-TW" sz="1800" dirty="0"/>
+                        <a:t>DPA</a:t>
+                      </a:r>
+                      <a:endParaRPr lang="zh-TW" altLang="en-US" sz="1800" dirty="0"/>
+                    </a:p>
+                  </a:txBody>
+                  <a:tcPr/>
+                </a:tc>
+                <a:tc>
+                  <a:txBody>
+                    <a:bodyPr/>
+                    <a:lstStyle/>
+                    <a:p>
+                      <a:pPr algn="ctr">
+                        <a:spcAft>
+                          <a:spcPts val="0"/>
+                        </a:spcAft>
+                      </a:pPr>
+                      <a:r>
+                        <a:rPr lang="en-US" sz="1800" kern="100" dirty="0">
+                          <a:effectLst/>
+                          <a:latin typeface="Calibri" panose="020F0502020204030204" pitchFamily="34" charset="0"/>
+                          <a:ea typeface="新細明體" panose="02020500000000000000" pitchFamily="18" charset="-120"/>
+                          <a:cs typeface="Times New Roman" panose="02020603050405020304" pitchFamily="18" charset="0"/>
+                        </a:rPr>
+                        <a:t>205.509890</a:t>
+                      </a:r>
+                      <a:endParaRPr lang="zh-TW" sz="1800" kern="100" dirty="0">
+                        <a:effectLst/>
+                        <a:latin typeface="Calibri" panose="020F0502020204030204" pitchFamily="34" charset="0"/>
+                        <a:ea typeface="新細明體" panose="02020500000000000000" pitchFamily="18" charset="-120"/>
+                        <a:cs typeface="Times New Roman" panose="02020603050405020304" pitchFamily="18" charset="0"/>
+                      </a:endParaRPr>
+                    </a:p>
+                  </a:txBody>
+                  <a:tcPr marL="68580" marR="68580" marT="0" marB="0"/>
+                </a:tc>
+                <a:tc>
+                  <a:txBody>
+                    <a:bodyPr/>
+                    <a:lstStyle/>
+                    <a:p>
+                      <a:pPr algn="ctr">
+                        <a:spcAft>
+                          <a:spcPts val="0"/>
+                        </a:spcAft>
+                      </a:pPr>
+                      <a:r>
+                        <a:rPr lang="en-US" sz="1800" kern="100" dirty="0">
+                          <a:effectLst/>
+                          <a:latin typeface="Calibri" panose="020F0502020204030204" pitchFamily="34" charset="0"/>
+                          <a:ea typeface="新細明體" panose="02020500000000000000" pitchFamily="18" charset="-120"/>
+                          <a:cs typeface="Times New Roman" panose="02020603050405020304" pitchFamily="18" charset="0"/>
+                        </a:rPr>
+                        <a:t>117.846460</a:t>
+                      </a:r>
+                      <a:endParaRPr lang="zh-TW" sz="1800" kern="100" dirty="0">
+                        <a:effectLst/>
+                        <a:latin typeface="Calibri" panose="020F0502020204030204" pitchFamily="34" charset="0"/>
+                        <a:ea typeface="新細明體" panose="02020500000000000000" pitchFamily="18" charset="-120"/>
+                        <a:cs typeface="Times New Roman" panose="02020603050405020304" pitchFamily="18" charset="0"/>
+                      </a:endParaRPr>
+                    </a:p>
+                  </a:txBody>
+                  <a:tcPr marL="68580" marR="68580" marT="0" marB="0"/>
+                </a:tc>
+                <a:tc>
+                  <a:txBody>
+                    <a:bodyPr/>
+                    <a:lstStyle/>
+                    <a:p>
+                      <a:pPr algn="ctr">
+                        <a:spcAft>
+                          <a:spcPts val="0"/>
+                        </a:spcAft>
+                      </a:pPr>
+                      <a:r>
+                        <a:rPr lang="en-US" sz="1800" kern="100" dirty="0">
+                          <a:effectLst/>
+                          <a:latin typeface="Calibri" panose="020F0502020204030204" pitchFamily="34" charset="0"/>
+                          <a:ea typeface="新細明體" panose="02020500000000000000" pitchFamily="18" charset="-120"/>
+                          <a:cs typeface="Times New Roman" panose="02020603050405020304" pitchFamily="18" charset="0"/>
+                        </a:rPr>
+                        <a:t>47.204740</a:t>
+                      </a:r>
+                      <a:endParaRPr lang="zh-TW" sz="1800" kern="100" dirty="0">
+                        <a:effectLst/>
+                        <a:latin typeface="Calibri" panose="020F0502020204030204" pitchFamily="34" charset="0"/>
+                        <a:ea typeface="新細明體" panose="02020500000000000000" pitchFamily="18" charset="-120"/>
+                        <a:cs typeface="Times New Roman" panose="02020603050405020304" pitchFamily="18" charset="0"/>
+                      </a:endParaRPr>
+                    </a:p>
+                  </a:txBody>
+                  <a:tcPr marL="68580" marR="68580" marT="0" marB="0"/>
+                </a:tc>
+                <a:extLst>
+                  <a:ext uri="{0D108BD9-81ED-4DB2-BD59-A6C34878D82A}">
+                    <a16:rowId xmlns:a16="http://schemas.microsoft.com/office/drawing/2014/main" val="445294254"/>
+                  </a:ext>
+                </a:extLst>
+              </a:tr>
+            </a:tbl>
+          </a:graphicData>
+        </a:graphic>
+      </p:graphicFrame>
+      <p:graphicFrame>
+        <p:nvGraphicFramePr>
+          <p:cNvPr id="11" name="內容版面配置區 9">
+            <a:extLst>
+              <a:ext uri="{FF2B5EF4-FFF2-40B4-BE49-F238E27FC236}">
+                <a16:creationId xmlns:a16="http://schemas.microsoft.com/office/drawing/2014/main" id="{63E5047B-69E6-4BB2-9B38-FC01AF118483}"/>
+              </a:ext>
+            </a:extLst>
+          </p:cNvPr>
+          <p:cNvGraphicFramePr>
+            <a:graphicFrameLocks/>
+          </p:cNvGraphicFramePr>
+          <p:nvPr>
+            <p:extLst>
+              <p:ext uri="{D42A27DB-BD31-4B8C-83A1-F6EECF244321}">
+                <p14:modId xmlns:p14="http://schemas.microsoft.com/office/powerpoint/2010/main" val="3504949411"/>
+              </p:ext>
+            </p:extLst>
+          </p:nvPr>
+        </p:nvGraphicFramePr>
+        <p:xfrm>
+          <a:off x="838200" y="4694116"/>
+          <a:ext cx="10515600" cy="1107440"/>
+        </p:xfrm>
+        <a:graphic>
+          <a:graphicData uri="http://schemas.openxmlformats.org/drawingml/2006/table">
+            <a:tbl>
+              <a:tblPr firstRow="1" bandRow="1">
+                <a:tableStyleId>{5C22544A-7EE6-4342-B048-85BDC9FD1C3A}</a:tableStyleId>
+              </a:tblPr>
+              <a:tblGrid>
+                <a:gridCol w="2628900">
+                  <a:extLst>
+                    <a:ext uri="{9D8B030D-6E8A-4147-A177-3AD203B41FA5}">
+                      <a16:colId xmlns:a16="http://schemas.microsoft.com/office/drawing/2014/main" val="1888125318"/>
+                    </a:ext>
+                  </a:extLst>
+                </a:gridCol>
+                <a:gridCol w="2628900">
+                  <a:extLst>
+                    <a:ext uri="{9D8B030D-6E8A-4147-A177-3AD203B41FA5}">
+                      <a16:colId xmlns:a16="http://schemas.microsoft.com/office/drawing/2014/main" val="3236254234"/>
+                    </a:ext>
+                  </a:extLst>
+                </a:gridCol>
+                <a:gridCol w="2628900">
+                  <a:extLst>
+                    <a:ext uri="{9D8B030D-6E8A-4147-A177-3AD203B41FA5}">
+                      <a16:colId xmlns:a16="http://schemas.microsoft.com/office/drawing/2014/main" val="2983025143"/>
+                    </a:ext>
+                  </a:extLst>
+                </a:gridCol>
+                <a:gridCol w="2628900">
+                  <a:extLst>
+                    <a:ext uri="{9D8B030D-6E8A-4147-A177-3AD203B41FA5}">
+                      <a16:colId xmlns:a16="http://schemas.microsoft.com/office/drawing/2014/main" val="2518666767"/>
+                    </a:ext>
+                  </a:extLst>
+                </a:gridCol>
+              </a:tblGrid>
+              <a:tr h="247349">
+                <a:tc>
+                  <a:txBody>
+                    <a:bodyPr/>
+                    <a:lstStyle/>
+                    <a:p>
+                      <a:pPr algn="ctr"/>
+                      <a:endParaRPr lang="zh-TW" altLang="en-US" sz="1800" dirty="0"/>
+                    </a:p>
+                  </a:txBody>
+                  <a:tcPr/>
+                </a:tc>
+                <a:tc>
+                  <a:txBody>
+                    <a:bodyPr/>
+                    <a:lstStyle/>
+                    <a:p>
+                      <a:pPr marL="0" marR="0" lvl="0" indent="0" algn="ctr" defTabSz="914400" rtl="0" eaLnBrk="1" fontAlgn="auto" latinLnBrk="0" hangingPunct="1">
+                        <a:lnSpc>
+                          <a:spcPct val="100000"/>
+                        </a:lnSpc>
+                        <a:spcBef>
+                          <a:spcPts val="0"/>
+                        </a:spcBef>
+                        <a:spcAft>
+                          <a:spcPts val="0"/>
+                        </a:spcAft>
+                        <a:buClrTx/>
+                        <a:buSzTx/>
+                        <a:buFontTx/>
+                        <a:buNone/>
+                        <a:tabLst/>
+                        <a:defRPr/>
+                      </a:pPr>
+                      <a:r>
+                        <a:rPr lang="en-US" altLang="zh-TW" sz="1800" dirty="0"/>
+                        <a:t>Version 1</a:t>
+                      </a:r>
+                    </a:p>
+                  </a:txBody>
+                  <a:tcPr/>
+                </a:tc>
+                <a:tc>
+                  <a:txBody>
+                    <a:bodyPr/>
+                    <a:lstStyle/>
+                    <a:p>
+                      <a:pPr marL="0" marR="0" lvl="0" indent="0" algn="ctr" defTabSz="914400" rtl="0" eaLnBrk="1" fontAlgn="auto" latinLnBrk="0" hangingPunct="1">
+                        <a:lnSpc>
+                          <a:spcPct val="100000"/>
+                        </a:lnSpc>
+                        <a:spcBef>
+                          <a:spcPts val="0"/>
+                        </a:spcBef>
+                        <a:spcAft>
+                          <a:spcPts val="0"/>
+                        </a:spcAft>
+                        <a:buClrTx/>
+                        <a:buSzTx/>
+                        <a:buFontTx/>
+                        <a:buNone/>
+                        <a:tabLst/>
+                        <a:defRPr/>
+                      </a:pPr>
+                      <a:r>
+                        <a:rPr lang="en-US" altLang="zh-TW" sz="1800" dirty="0"/>
+                        <a:t>Version 2</a:t>
+                      </a:r>
+                    </a:p>
+                  </a:txBody>
+                  <a:tcPr/>
+                </a:tc>
+                <a:tc>
+                  <a:txBody>
+                    <a:bodyPr/>
+                    <a:lstStyle/>
+                    <a:p>
+                      <a:pPr marL="0" marR="0" lvl="0" indent="0" algn="ctr" defTabSz="914400" rtl="0" eaLnBrk="1" fontAlgn="auto" latinLnBrk="0" hangingPunct="1">
+                        <a:lnSpc>
+                          <a:spcPct val="100000"/>
+                        </a:lnSpc>
+                        <a:spcBef>
+                          <a:spcPts val="0"/>
+                        </a:spcBef>
+                        <a:spcAft>
+                          <a:spcPts val="0"/>
+                        </a:spcAft>
+                        <a:buClrTx/>
+                        <a:buSzTx/>
+                        <a:buFontTx/>
+                        <a:buNone/>
+                        <a:tabLst/>
+                        <a:defRPr/>
+                      </a:pPr>
+                      <a:r>
+                        <a:rPr lang="en-US" altLang="zh-TW" sz="1800" dirty="0"/>
+                        <a:t>Version 3</a:t>
+                      </a:r>
+                    </a:p>
+                  </a:txBody>
+                  <a:tcPr/>
+                </a:tc>
+                <a:extLst>
+                  <a:ext uri="{0D108BD9-81ED-4DB2-BD59-A6C34878D82A}">
+                    <a16:rowId xmlns:a16="http://schemas.microsoft.com/office/drawing/2014/main" val="1944575248"/>
+                  </a:ext>
+                </a:extLst>
+              </a:tr>
+              <a:tr h="370840">
+                <a:tc>
+                  <a:txBody>
+                    <a:bodyPr/>
+                    <a:lstStyle/>
+                    <a:p>
+                      <a:pPr algn="ctr"/>
+                      <a:r>
+                        <a:rPr lang="en-US" altLang="zh-TW" sz="1800" dirty="0"/>
+                        <a:t>BASIC</a:t>
+                      </a:r>
+                      <a:endParaRPr lang="zh-TW" altLang="en-US" sz="1800" dirty="0"/>
+                    </a:p>
+                  </a:txBody>
+                  <a:tcPr/>
+                </a:tc>
+                <a:tc>
+                  <a:txBody>
+                    <a:bodyPr/>
+                    <a:lstStyle/>
+                    <a:p>
+                      <a:pPr algn="ctr">
+                        <a:spcAft>
+                          <a:spcPts val="0"/>
+                        </a:spcAft>
+                      </a:pPr>
+                      <a:r>
+                        <a:rPr lang="en-US" sz="1800" kern="100">
+                          <a:effectLst/>
+                          <a:latin typeface="Calibri" panose="020F0502020204030204" pitchFamily="34" charset="0"/>
+                          <a:ea typeface="新細明體" panose="02020500000000000000" pitchFamily="18" charset="-120"/>
+                          <a:cs typeface="Times New Roman" panose="02020603050405020304" pitchFamily="18" charset="0"/>
+                        </a:rPr>
+                        <a:t>18272</a:t>
+                      </a:r>
+                      <a:endParaRPr lang="zh-TW" sz="1800" kern="100">
+                        <a:effectLst/>
+                        <a:latin typeface="Calibri" panose="020F0502020204030204" pitchFamily="34" charset="0"/>
+                        <a:ea typeface="新細明體" panose="02020500000000000000" pitchFamily="18" charset="-120"/>
+                        <a:cs typeface="Times New Roman" panose="02020603050405020304" pitchFamily="18" charset="0"/>
+                      </a:endParaRPr>
+                    </a:p>
+                  </a:txBody>
+                  <a:tcPr marL="68580" marR="68580" marT="0" marB="0"/>
+                </a:tc>
+                <a:tc>
+                  <a:txBody>
+                    <a:bodyPr/>
+                    <a:lstStyle/>
+                    <a:p>
+                      <a:pPr algn="ctr">
+                        <a:spcAft>
+                          <a:spcPts val="0"/>
+                        </a:spcAft>
+                      </a:pPr>
+                      <a:r>
+                        <a:rPr lang="en-US" sz="1800" kern="100">
+                          <a:effectLst/>
+                          <a:latin typeface="Calibri" panose="020F0502020204030204" pitchFamily="34" charset="0"/>
+                          <a:ea typeface="新細明體" panose="02020500000000000000" pitchFamily="18" charset="-120"/>
+                          <a:cs typeface="Times New Roman" panose="02020603050405020304" pitchFamily="18" charset="0"/>
+                        </a:rPr>
+                        <a:t>6475</a:t>
+                      </a:r>
+                      <a:endParaRPr lang="zh-TW" sz="1800" kern="100">
+                        <a:effectLst/>
+                        <a:latin typeface="Calibri" panose="020F0502020204030204" pitchFamily="34" charset="0"/>
+                        <a:ea typeface="新細明體" panose="02020500000000000000" pitchFamily="18" charset="-120"/>
+                        <a:cs typeface="Times New Roman" panose="02020603050405020304" pitchFamily="18" charset="0"/>
+                      </a:endParaRPr>
+                    </a:p>
+                  </a:txBody>
+                  <a:tcPr marL="68580" marR="68580" marT="0" marB="0"/>
+                </a:tc>
+                <a:tc>
+                  <a:txBody>
+                    <a:bodyPr/>
+                    <a:lstStyle/>
+                    <a:p>
+                      <a:pPr algn="ctr">
+                        <a:spcAft>
+                          <a:spcPts val="0"/>
+                        </a:spcAft>
+                      </a:pPr>
+                      <a:r>
+                        <a:rPr lang="en-US" sz="1800" kern="100">
+                          <a:effectLst/>
+                          <a:latin typeface="Calibri" panose="020F0502020204030204" pitchFamily="34" charset="0"/>
+                          <a:ea typeface="新細明體" panose="02020500000000000000" pitchFamily="18" charset="-120"/>
+                          <a:cs typeface="Times New Roman" panose="02020603050405020304" pitchFamily="18" charset="0"/>
+                        </a:rPr>
+                        <a:t>7940</a:t>
+                      </a:r>
+                      <a:endParaRPr lang="zh-TW" sz="1800" kern="100">
+                        <a:effectLst/>
+                        <a:latin typeface="Calibri" panose="020F0502020204030204" pitchFamily="34" charset="0"/>
+                        <a:ea typeface="新細明體" panose="02020500000000000000" pitchFamily="18" charset="-120"/>
+                        <a:cs typeface="Times New Roman" panose="02020603050405020304" pitchFamily="18" charset="0"/>
+                      </a:endParaRPr>
+                    </a:p>
+                  </a:txBody>
+                  <a:tcPr marL="68580" marR="68580" marT="0" marB="0"/>
+                </a:tc>
+                <a:extLst>
+                  <a:ext uri="{0D108BD9-81ED-4DB2-BD59-A6C34878D82A}">
+                    <a16:rowId xmlns:a16="http://schemas.microsoft.com/office/drawing/2014/main" val="119569299"/>
+                  </a:ext>
+                </a:extLst>
+              </a:tr>
+              <a:tr h="370840">
+                <a:tc>
+                  <a:txBody>
+                    <a:bodyPr/>
+                    <a:lstStyle/>
+                    <a:p>
+                      <a:pPr algn="ctr"/>
+                      <a:r>
+                        <a:rPr lang="en-US" altLang="zh-TW" sz="1800" dirty="0"/>
+                        <a:t>DPA</a:t>
+                      </a:r>
+                      <a:endParaRPr lang="zh-TW" altLang="en-US" sz="1800" dirty="0"/>
+                    </a:p>
+                  </a:txBody>
+                  <a:tcPr/>
+                </a:tc>
+                <a:tc>
+                  <a:txBody>
+                    <a:bodyPr/>
+                    <a:lstStyle/>
+                    <a:p>
+                      <a:pPr algn="ctr">
+                        <a:spcAft>
+                          <a:spcPts val="0"/>
+                        </a:spcAft>
+                      </a:pPr>
+                      <a:r>
+                        <a:rPr lang="en-US" sz="1800" kern="100">
+                          <a:effectLst/>
+                          <a:latin typeface="Calibri" panose="020F0502020204030204" pitchFamily="34" charset="0"/>
+                          <a:ea typeface="新細明體" panose="02020500000000000000" pitchFamily="18" charset="-120"/>
+                          <a:cs typeface="Times New Roman" panose="02020603050405020304" pitchFamily="18" charset="0"/>
+                        </a:rPr>
+                        <a:t>17051</a:t>
+                      </a:r>
+                      <a:endParaRPr lang="zh-TW" sz="1800" kern="100">
+                        <a:effectLst/>
+                        <a:latin typeface="Calibri" panose="020F0502020204030204" pitchFamily="34" charset="0"/>
+                        <a:ea typeface="新細明體" panose="02020500000000000000" pitchFamily="18" charset="-120"/>
+                        <a:cs typeface="Times New Roman" panose="02020603050405020304" pitchFamily="18" charset="0"/>
+                      </a:endParaRPr>
+                    </a:p>
+                  </a:txBody>
+                  <a:tcPr marL="68580" marR="68580" marT="0" marB="0"/>
+                </a:tc>
+                <a:tc>
+                  <a:txBody>
+                    <a:bodyPr/>
+                    <a:lstStyle/>
+                    <a:p>
+                      <a:pPr algn="ctr">
+                        <a:spcAft>
+                          <a:spcPts val="0"/>
+                        </a:spcAft>
+                      </a:pPr>
+                      <a:r>
+                        <a:rPr lang="en-US" sz="1800" kern="100">
+                          <a:effectLst/>
+                          <a:latin typeface="Calibri" panose="020F0502020204030204" pitchFamily="34" charset="0"/>
+                          <a:ea typeface="新細明體" panose="02020500000000000000" pitchFamily="18" charset="-120"/>
+                          <a:cs typeface="Times New Roman" panose="02020603050405020304" pitchFamily="18" charset="0"/>
+                        </a:rPr>
+                        <a:t>6766</a:t>
+                      </a:r>
+                      <a:endParaRPr lang="zh-TW" sz="1800" kern="100">
+                        <a:effectLst/>
+                        <a:latin typeface="Calibri" panose="020F0502020204030204" pitchFamily="34" charset="0"/>
+                        <a:ea typeface="新細明體" panose="02020500000000000000" pitchFamily="18" charset="-120"/>
+                        <a:cs typeface="Times New Roman" panose="02020603050405020304" pitchFamily="18" charset="0"/>
+                      </a:endParaRPr>
+                    </a:p>
+                  </a:txBody>
+                  <a:tcPr marL="68580" marR="68580" marT="0" marB="0"/>
+                </a:tc>
+                <a:tc>
+                  <a:txBody>
+                    <a:bodyPr/>
+                    <a:lstStyle/>
+                    <a:p>
+                      <a:pPr algn="ctr">
+                        <a:spcAft>
+                          <a:spcPts val="0"/>
+                        </a:spcAft>
+                      </a:pPr>
+                      <a:r>
+                        <a:rPr lang="en-US" sz="1800" kern="100" dirty="0">
+                          <a:effectLst/>
+                          <a:latin typeface="Calibri" panose="020F0502020204030204" pitchFamily="34" charset="0"/>
+                          <a:ea typeface="新細明體" panose="02020500000000000000" pitchFamily="18" charset="-120"/>
+                          <a:cs typeface="Times New Roman" panose="02020603050405020304" pitchFamily="18" charset="0"/>
+                        </a:rPr>
+                        <a:t>6762</a:t>
+                      </a:r>
+                      <a:endParaRPr lang="zh-TW" sz="1800" kern="100" dirty="0">
+                        <a:effectLst/>
+                        <a:latin typeface="Calibri" panose="020F0502020204030204" pitchFamily="34" charset="0"/>
+                        <a:ea typeface="新細明體" panose="02020500000000000000" pitchFamily="18" charset="-120"/>
+                        <a:cs typeface="Times New Roman" panose="02020603050405020304" pitchFamily="18" charset="0"/>
+                      </a:endParaRPr>
+                    </a:p>
+                  </a:txBody>
+                  <a:tcPr marL="68580" marR="68580" marT="0" marB="0"/>
+                </a:tc>
+                <a:extLst>
+                  <a:ext uri="{0D108BD9-81ED-4DB2-BD59-A6C34878D82A}">
+                    <a16:rowId xmlns:a16="http://schemas.microsoft.com/office/drawing/2014/main" val="445294254"/>
+                  </a:ext>
+                </a:extLst>
+              </a:tr>
+            </a:tbl>
+          </a:graphicData>
+        </a:graphic>
+      </p:graphicFrame>
+      <p:sp>
+        <p:nvSpPr>
+          <p:cNvPr id="12" name="標題 1">
+            <a:extLst>
+              <a:ext uri="{FF2B5EF4-FFF2-40B4-BE49-F238E27FC236}">
+                <a16:creationId xmlns:a16="http://schemas.microsoft.com/office/drawing/2014/main" id="{A719678F-CE3F-4319-A7E4-69A21E4FD70A}"/>
+              </a:ext>
+            </a:extLst>
+          </p:cNvPr>
+          <p:cNvSpPr txBox="1">
+            <a:spLocks/>
+          </p:cNvSpPr>
+          <p:nvPr/>
+        </p:nvSpPr>
+        <p:spPr>
+          <a:xfrm>
+            <a:off x="838200" y="3257074"/>
+            <a:ext cx="10515600" cy="1325563"/>
+          </a:xfrm>
+          <a:prstGeom prst="rect">
+            <a:avLst/>
+          </a:prstGeom>
+        </p:spPr>
+        <p:txBody>
+          <a:bodyPr vert="horz" lIns="91440" tIns="45720" rIns="91440" bIns="45720" rtlCol="0" anchor="ctr">
+            <a:normAutofit/>
+          </a:bodyPr>
+          <a:lstStyle>
+            <a:lvl1pPr algn="l" defTabSz="914400" rtl="0" eaLnBrk="1" latinLnBrk="0" hangingPunct="1">
+              <a:lnSpc>
+                <a:spcPct val="90000"/>
+              </a:lnSpc>
+              <a:spcBef>
+                <a:spcPct val="0"/>
+              </a:spcBef>
+              <a:buNone/>
+              <a:defRPr sz="4400" kern="1200">
+                <a:solidFill>
+                  <a:schemeClr val="tx1"/>
+                </a:solidFill>
+                <a:latin typeface="+mj-lt"/>
+                <a:ea typeface="+mj-ea"/>
+                <a:cs typeface="+mj-cs"/>
+              </a:defRPr>
+            </a:lvl1pPr>
+          </a:lstStyle>
+          <a:p>
+            <a:r>
+              <a:rPr lang="en-US" altLang="zh-TW" dirty="0"/>
+              <a:t>HLS area</a:t>
+            </a:r>
+            <a:endParaRPr lang="zh-TW" altLang="en-US" dirty="0"/>
+          </a:p>
+        </p:txBody>
+      </p:sp>
+    </p:spTree>
+    <p:extLst>
+      <p:ext uri="{BB962C8B-B14F-4D97-AF65-F5344CB8AC3E}">
+        <p14:creationId xmlns:p14="http://schemas.microsoft.com/office/powerpoint/2010/main" val="2593551608"/>
+      </p:ext>
+    </p:extLst>
+  </p:cSld>
+  <p:clrMapOvr>
+    <a:masterClrMapping/>
+  </p:clrMapOvr>
+</p:sld>
+</file>
+
+<file path=ppt/slides/slide11.xml><?xml version="1.0" encoding="utf-8"?>
+<p:sld xmlns:a="http://schemas.openxmlformats.org/drawingml/2006/main" xmlns:r="http://schemas.openxmlformats.org/officeDocument/2006/relationships" xmlns:p="http://schemas.openxmlformats.org/presentationml/2006/main">
+  <p:cSld>
+    <p:spTree>
+      <p:nvGrpSpPr>
+        <p:cNvPr id="1" name=""/>
+        <p:cNvGrpSpPr/>
+        <p:nvPr/>
+      </p:nvGrpSpPr>
+      <p:grpSpPr>
+        <a:xfrm>
+          <a:off x="0" y="0"/>
+          <a:ext cx="0" cy="0"/>
+          <a:chOff x="0" y="0"/>
+          <a:chExt cx="0" cy="0"/>
+        </a:xfrm>
+      </p:grpSpPr>
+      <p:sp>
+        <p:nvSpPr>
           <p:cNvPr id="4" name="標題 1">
             <a:extLst>
               <a:ext uri="{FF2B5EF4-FFF2-40B4-BE49-F238E27FC236}">
@@ -3916,7 +4824,7 @@
           <p:nvPr>
             <p:extLst>
               <p:ext uri="{D42A27DB-BD31-4B8C-83A1-F6EECF244321}">
-                <p14:modId xmlns:p14="http://schemas.microsoft.com/office/powerpoint/2010/main" val="2231242727"/>
+                <p14:modId xmlns:p14="http://schemas.microsoft.com/office/powerpoint/2010/main" val="1964993841"/>
               </p:ext>
             </p:extLst>
           </p:nvPr>
@@ -3968,10 +4876,6 @@
                     <a:lstStyle/>
                     <a:p>
                       <a:pPr algn="ctr"/>
-                      <a:r>
-                        <a:rPr lang="en-US" altLang="zh-TW" sz="1800" dirty="0"/>
-                        <a:t>(ns)</a:t>
-                      </a:r>
                       <a:endParaRPr lang="zh-TW" altLang="en-US" sz="1800" dirty="0"/>
                     </a:p>
                   </a:txBody>
@@ -4371,9 +5275,20 @@
           <a:p>
             <a:r>
               <a:rPr lang="en-US" altLang="zh-TW" dirty="0"/>
-              <a:t>TLM platform clock period</a:t>
+              <a:t>TLM platform </a:t>
             </a:r>
-            <a:endParaRPr lang="zh-TW" altLang="en-US" dirty="0"/>
+            <a:r>
+              <a:rPr lang="en-US" altLang="zh-TW" dirty="0" err="1"/>
+              <a:t>x_clock</a:t>
+            </a:r>
+            <a:r>
+              <a:rPr lang="zh-TW" altLang="en-US" dirty="0"/>
+              <a:t> </a:t>
+            </a:r>
+            <a:r>
+              <a:rPr lang="en-US" altLang="zh-TW" dirty="0"/>
+              <a:t>parameter</a:t>
+            </a:r>
           </a:p>
         </p:txBody>
       </p:sp>
@@ -4390,7 +5305,7 @@
 </p:sld>
 </file>
 
-<file path=ppt/slides/slide11.xml><?xml version="1.0" encoding="utf-8"?>
+<file path=ppt/slides/slide12.xml><?xml version="1.0" encoding="utf-8"?>
 <p:sld xmlns:a="http://schemas.openxmlformats.org/drawingml/2006/main" xmlns:r="http://schemas.openxmlformats.org/officeDocument/2006/relationships" xmlns:p="http://schemas.openxmlformats.org/presentationml/2006/main">
   <p:cSld>
     <p:spTree>
@@ -4868,7 +5783,7 @@
 </p:sld>
 </file>
 
-<file path=ppt/slides/slide12.xml><?xml version="1.0" encoding="utf-8"?>
+<file path=ppt/slides/slide13.xml><?xml version="1.0" encoding="utf-8"?>
 <p:sld xmlns:a="http://schemas.openxmlformats.org/drawingml/2006/main" xmlns:r="http://schemas.openxmlformats.org/officeDocument/2006/relationships" xmlns:p="http://schemas.openxmlformats.org/presentationml/2006/main">
   <p:cSld>
     <p:spTree>
@@ -5033,7 +5948,7 @@
 </p:sld>
 </file>
 
-<file path=ppt/slides/slide13.xml><?xml version="1.0" encoding="utf-8"?>
+<file path=ppt/slides/slide14.xml><?xml version="1.0" encoding="utf-8"?>
 <p:sld xmlns:a="http://schemas.openxmlformats.org/drawingml/2006/main" xmlns:r="http://schemas.openxmlformats.org/officeDocument/2006/relationships" xmlns:p="http://schemas.openxmlformats.org/presentationml/2006/main">
   <p:cSld>
     <p:spTree>
@@ -5193,7 +6108,7 @@
 </p:sld>
 </file>
 
-<file path=ppt/slides/slide14.xml><?xml version="1.0" encoding="utf-8"?>
+<file path=ppt/slides/slide15.xml><?xml version="1.0" encoding="utf-8"?>
 <p:sld xmlns:a="http://schemas.openxmlformats.org/drawingml/2006/main" xmlns:r="http://schemas.openxmlformats.org/officeDocument/2006/relationships" xmlns:p="http://schemas.openxmlformats.org/presentationml/2006/main">
   <p:cSld>
     <p:spTree>
@@ -5353,7 +6268,7 @@
 </p:sld>
 </file>
 
-<file path=ppt/slides/slide15.xml><?xml version="1.0" encoding="utf-8"?>
+<file path=ppt/slides/slide16.xml><?xml version="1.0" encoding="utf-8"?>
 <p:sld xmlns:a="http://schemas.openxmlformats.org/drawingml/2006/main" xmlns:r="http://schemas.openxmlformats.org/officeDocument/2006/relationships" xmlns:p="http://schemas.openxmlformats.org/presentationml/2006/main">
   <p:cSld>
     <p:spTree>
@@ -5513,7 +6428,7 @@
 </p:sld>
 </file>
 
-<file path=ppt/slides/slide16.xml><?xml version="1.0" encoding="utf-8"?>
+<file path=ppt/slides/slide17.xml><?xml version="1.0" encoding="utf-8"?>
 <p:sld xmlns:a="http://schemas.openxmlformats.org/drawingml/2006/main" xmlns:r="http://schemas.openxmlformats.org/officeDocument/2006/relationships" xmlns:p="http://schemas.openxmlformats.org/presentationml/2006/main">
   <p:cSld>
     <p:spTree>
@@ -5673,7 +6588,7 @@
 </p:sld>
 </file>
 
-<file path=ppt/slides/slide17.xml><?xml version="1.0" encoding="utf-8"?>
+<file path=ppt/slides/slide18.xml><?xml version="1.0" encoding="utf-8"?>
 <p:sld xmlns:a="http://schemas.openxmlformats.org/drawingml/2006/main" xmlns:r="http://schemas.openxmlformats.org/officeDocument/2006/relationships" xmlns:p="http://schemas.openxmlformats.org/presentationml/2006/main">
   <p:cSld>
     <p:spTree>
@@ -22999,62 +23914,6 @@
       </p:sp>
       <p:sp>
         <p:nvSpPr>
-          <p:cNvPr id="3" name="內容版面配置區 2">
-            <a:extLst>
-              <a:ext uri="{FF2B5EF4-FFF2-40B4-BE49-F238E27FC236}">
-                <a16:creationId xmlns:a16="http://schemas.microsoft.com/office/drawing/2014/main" id="{34E69483-1977-4D23-9841-DB1F2C16458A}"/>
-              </a:ext>
-            </a:extLst>
-          </p:cNvPr>
-          <p:cNvSpPr>
-            <a:spLocks noGrp="1"/>
-          </p:cNvSpPr>
-          <p:nvPr>
-            <p:ph idx="1"/>
-          </p:nvPr>
-        </p:nvSpPr>
-        <p:spPr>
-          <a:xfrm>
-            <a:off x="586294" y="3963942"/>
-            <a:ext cx="10515600" cy="4351338"/>
-          </a:xfrm>
-        </p:spPr>
-        <p:txBody>
-          <a:bodyPr/>
-          <a:lstStyle/>
-          <a:p>
-            <a:r>
-              <a:rPr lang="en-US" altLang="zh-TW" dirty="0"/>
-              <a:t>load /store 1 cycle</a:t>
-            </a:r>
-          </a:p>
-          <a:p>
-            <a:r>
-              <a:rPr lang="en-US" altLang="zh-TW" dirty="0"/>
-              <a:t>add 2 cycles</a:t>
-            </a:r>
-          </a:p>
-          <a:p>
-            <a:r>
-              <a:rPr lang="en-US" altLang="zh-TW" dirty="0" err="1"/>
-              <a:t>mult</a:t>
-            </a:r>
-            <a:r>
-              <a:rPr lang="en-US" altLang="zh-TW" dirty="0"/>
-              <a:t> 8 cycles</a:t>
-            </a:r>
-          </a:p>
-          <a:p>
-            <a:r>
-              <a:rPr lang="en-US" altLang="zh-TW" dirty="0"/>
-              <a:t>div 40 cycles</a:t>
-            </a:r>
-            <a:endParaRPr lang="zh-TW" altLang="en-US" dirty="0"/>
-          </a:p>
-        </p:txBody>
-      </p:sp>
-      <p:sp>
-        <p:nvSpPr>
           <p:cNvPr id="12" name="矩形 11">
             <a:extLst>
               <a:ext uri="{FF2B5EF4-FFF2-40B4-BE49-F238E27FC236}">
@@ -23165,6 +24024,317 @@
 </file>
 
 <file path=ppt/slides/slide8.xml><?xml version="1.0" encoding="utf-8"?>
+<p:sld xmlns:a="http://schemas.openxmlformats.org/drawingml/2006/main" xmlns:r="http://schemas.openxmlformats.org/officeDocument/2006/relationships" xmlns:p="http://schemas.openxmlformats.org/presentationml/2006/main">
+  <p:cSld>
+    <p:spTree>
+      <p:nvGrpSpPr>
+        <p:cNvPr id="1" name=""/>
+        <p:cNvGrpSpPr/>
+        <p:nvPr/>
+      </p:nvGrpSpPr>
+      <p:grpSpPr>
+        <a:xfrm>
+          <a:off x="0" y="0"/>
+          <a:ext cx="0" cy="0"/>
+          <a:chOff x="0" y="0"/>
+          <a:chExt cx="0" cy="0"/>
+        </a:xfrm>
+      </p:grpSpPr>
+      <p:sp>
+        <p:nvSpPr>
+          <p:cNvPr id="2" name="標題 1">
+            <a:extLst>
+              <a:ext uri="{FF2B5EF4-FFF2-40B4-BE49-F238E27FC236}">
+                <a16:creationId xmlns:a16="http://schemas.microsoft.com/office/drawing/2014/main" id="{DCB281AF-7A2D-45E9-8353-06C90FF02369}"/>
+              </a:ext>
+            </a:extLst>
+          </p:cNvPr>
+          <p:cNvSpPr>
+            <a:spLocks noGrp="1"/>
+          </p:cNvSpPr>
+          <p:nvPr>
+            <p:ph type="title"/>
+          </p:nvPr>
+        </p:nvSpPr>
+        <p:spPr/>
+        <p:txBody>
+          <a:bodyPr/>
+          <a:lstStyle/>
+          <a:p>
+            <a:r>
+              <a:rPr lang="en-US" altLang="zh-TW" dirty="0"/>
+              <a:t>TLM platform clock cycle assumption</a:t>
+            </a:r>
+            <a:endParaRPr lang="zh-TW" altLang="en-US" dirty="0"/>
+          </a:p>
+        </p:txBody>
+      </p:sp>
+      <p:pic>
+        <p:nvPicPr>
+          <p:cNvPr id="4" name="圖片 3">
+            <a:extLst>
+              <a:ext uri="{FF2B5EF4-FFF2-40B4-BE49-F238E27FC236}">
+                <a16:creationId xmlns:a16="http://schemas.microsoft.com/office/drawing/2014/main" id="{F81ED532-840B-4B6D-B465-7B75CBFE728D}"/>
+              </a:ext>
+            </a:extLst>
+          </p:cNvPr>
+          <p:cNvPicPr>
+            <a:picLocks noChangeAspect="1"/>
+          </p:cNvPicPr>
+          <p:nvPr/>
+        </p:nvPicPr>
+        <p:blipFill>
+          <a:blip r:embed="rId2"/>
+          <a:stretch>
+            <a:fillRect/>
+          </a:stretch>
+        </p:blipFill>
+        <p:spPr>
+          <a:xfrm>
+            <a:off x="3677610" y="2865821"/>
+            <a:ext cx="7676190" cy="1828571"/>
+          </a:xfrm>
+          <a:prstGeom prst="rect">
+            <a:avLst/>
+          </a:prstGeom>
+        </p:spPr>
+      </p:pic>
+      <p:sp>
+        <p:nvSpPr>
+          <p:cNvPr id="5" name="內容版面配置區 2">
+            <a:extLst>
+              <a:ext uri="{FF2B5EF4-FFF2-40B4-BE49-F238E27FC236}">
+                <a16:creationId xmlns:a16="http://schemas.microsoft.com/office/drawing/2014/main" id="{2BB1661A-BA0C-45FC-943C-235AF5B86FFC}"/>
+              </a:ext>
+            </a:extLst>
+          </p:cNvPr>
+          <p:cNvSpPr txBox="1">
+            <a:spLocks/>
+          </p:cNvSpPr>
+          <p:nvPr/>
+        </p:nvSpPr>
+        <p:spPr>
+          <a:xfrm>
+            <a:off x="838200" y="1825625"/>
+            <a:ext cx="10515600" cy="4351338"/>
+          </a:xfrm>
+          <a:prstGeom prst="rect">
+            <a:avLst/>
+          </a:prstGeom>
+        </p:spPr>
+        <p:txBody>
+          <a:bodyPr vert="horz" lIns="91440" tIns="45720" rIns="91440" bIns="45720" rtlCol="0">
+            <a:normAutofit/>
+          </a:bodyPr>
+          <a:lstStyle>
+            <a:lvl1pPr marL="228600" indent="-228600" algn="l" defTabSz="914400" rtl="0" eaLnBrk="1" latinLnBrk="0" hangingPunct="1">
+              <a:lnSpc>
+                <a:spcPct val="90000"/>
+              </a:lnSpc>
+              <a:spcBef>
+                <a:spcPts val="1000"/>
+              </a:spcBef>
+              <a:buFont typeface="Arial" panose="020B0604020202020204" pitchFamily="34" charset="0"/>
+              <a:buChar char="•"/>
+              <a:defRPr sz="2800" kern="1200">
+                <a:solidFill>
+                  <a:schemeClr val="tx1"/>
+                </a:solidFill>
+                <a:latin typeface="+mn-lt"/>
+                <a:ea typeface="+mn-ea"/>
+                <a:cs typeface="+mn-cs"/>
+              </a:defRPr>
+            </a:lvl1pPr>
+            <a:lvl2pPr marL="685800" indent="-228600" algn="l" defTabSz="914400" rtl="0" eaLnBrk="1" latinLnBrk="0" hangingPunct="1">
+              <a:lnSpc>
+                <a:spcPct val="90000"/>
+              </a:lnSpc>
+              <a:spcBef>
+                <a:spcPts val="500"/>
+              </a:spcBef>
+              <a:buFont typeface="Arial" panose="020B0604020202020204" pitchFamily="34" charset="0"/>
+              <a:buChar char="•"/>
+              <a:defRPr sz="2400" kern="1200">
+                <a:solidFill>
+                  <a:schemeClr val="tx1"/>
+                </a:solidFill>
+                <a:latin typeface="+mn-lt"/>
+                <a:ea typeface="+mn-ea"/>
+                <a:cs typeface="+mn-cs"/>
+              </a:defRPr>
+            </a:lvl2pPr>
+            <a:lvl3pPr marL="1143000" indent="-228600" algn="l" defTabSz="914400" rtl="0" eaLnBrk="1" latinLnBrk="0" hangingPunct="1">
+              <a:lnSpc>
+                <a:spcPct val="90000"/>
+              </a:lnSpc>
+              <a:spcBef>
+                <a:spcPts val="500"/>
+              </a:spcBef>
+              <a:buFont typeface="Arial" panose="020B0604020202020204" pitchFamily="34" charset="0"/>
+              <a:buChar char="•"/>
+              <a:defRPr sz="2000" kern="1200">
+                <a:solidFill>
+                  <a:schemeClr val="tx1"/>
+                </a:solidFill>
+                <a:latin typeface="+mn-lt"/>
+                <a:ea typeface="+mn-ea"/>
+                <a:cs typeface="+mn-cs"/>
+              </a:defRPr>
+            </a:lvl3pPr>
+            <a:lvl4pPr marL="1600200" indent="-228600" algn="l" defTabSz="914400" rtl="0" eaLnBrk="1" latinLnBrk="0" hangingPunct="1">
+              <a:lnSpc>
+                <a:spcPct val="90000"/>
+              </a:lnSpc>
+              <a:spcBef>
+                <a:spcPts val="500"/>
+              </a:spcBef>
+              <a:buFont typeface="Arial" panose="020B0604020202020204" pitchFamily="34" charset="0"/>
+              <a:buChar char="•"/>
+              <a:defRPr sz="1800" kern="1200">
+                <a:solidFill>
+                  <a:schemeClr val="tx1"/>
+                </a:solidFill>
+                <a:latin typeface="+mn-lt"/>
+                <a:ea typeface="+mn-ea"/>
+                <a:cs typeface="+mn-cs"/>
+              </a:defRPr>
+            </a:lvl4pPr>
+            <a:lvl5pPr marL="2057400" indent="-228600" algn="l" defTabSz="914400" rtl="0" eaLnBrk="1" latinLnBrk="0" hangingPunct="1">
+              <a:lnSpc>
+                <a:spcPct val="90000"/>
+              </a:lnSpc>
+              <a:spcBef>
+                <a:spcPts val="500"/>
+              </a:spcBef>
+              <a:buFont typeface="Arial" panose="020B0604020202020204" pitchFamily="34" charset="0"/>
+              <a:buChar char="•"/>
+              <a:defRPr sz="1800" kern="1200">
+                <a:solidFill>
+                  <a:schemeClr val="tx1"/>
+                </a:solidFill>
+                <a:latin typeface="+mn-lt"/>
+                <a:ea typeface="+mn-ea"/>
+                <a:cs typeface="+mn-cs"/>
+              </a:defRPr>
+            </a:lvl5pPr>
+            <a:lvl6pPr marL="2514600" indent="-228600" algn="l" defTabSz="914400" rtl="0" eaLnBrk="1" latinLnBrk="0" hangingPunct="1">
+              <a:lnSpc>
+                <a:spcPct val="90000"/>
+              </a:lnSpc>
+              <a:spcBef>
+                <a:spcPts val="500"/>
+              </a:spcBef>
+              <a:buFont typeface="Arial" panose="020B0604020202020204" pitchFamily="34" charset="0"/>
+              <a:buChar char="•"/>
+              <a:defRPr sz="1800" kern="1200">
+                <a:solidFill>
+                  <a:schemeClr val="tx1"/>
+                </a:solidFill>
+                <a:latin typeface="+mn-lt"/>
+                <a:ea typeface="+mn-ea"/>
+                <a:cs typeface="+mn-cs"/>
+              </a:defRPr>
+            </a:lvl6pPr>
+            <a:lvl7pPr marL="2971800" indent="-228600" algn="l" defTabSz="914400" rtl="0" eaLnBrk="1" latinLnBrk="0" hangingPunct="1">
+              <a:lnSpc>
+                <a:spcPct val="90000"/>
+              </a:lnSpc>
+              <a:spcBef>
+                <a:spcPts val="500"/>
+              </a:spcBef>
+              <a:buFont typeface="Arial" panose="020B0604020202020204" pitchFamily="34" charset="0"/>
+              <a:buChar char="•"/>
+              <a:defRPr sz="1800" kern="1200">
+                <a:solidFill>
+                  <a:schemeClr val="tx1"/>
+                </a:solidFill>
+                <a:latin typeface="+mn-lt"/>
+                <a:ea typeface="+mn-ea"/>
+                <a:cs typeface="+mn-cs"/>
+              </a:defRPr>
+            </a:lvl7pPr>
+            <a:lvl8pPr marL="3429000" indent="-228600" algn="l" defTabSz="914400" rtl="0" eaLnBrk="1" latinLnBrk="0" hangingPunct="1">
+              <a:lnSpc>
+                <a:spcPct val="90000"/>
+              </a:lnSpc>
+              <a:spcBef>
+                <a:spcPts val="500"/>
+              </a:spcBef>
+              <a:buFont typeface="Arial" panose="020B0604020202020204" pitchFamily="34" charset="0"/>
+              <a:buChar char="•"/>
+              <a:defRPr sz="1800" kern="1200">
+                <a:solidFill>
+                  <a:schemeClr val="tx1"/>
+                </a:solidFill>
+                <a:latin typeface="+mn-lt"/>
+                <a:ea typeface="+mn-ea"/>
+                <a:cs typeface="+mn-cs"/>
+              </a:defRPr>
+            </a:lvl8pPr>
+            <a:lvl9pPr marL="3886200" indent="-228600" algn="l" defTabSz="914400" rtl="0" eaLnBrk="1" latinLnBrk="0" hangingPunct="1">
+              <a:lnSpc>
+                <a:spcPct val="90000"/>
+              </a:lnSpc>
+              <a:spcBef>
+                <a:spcPts val="500"/>
+              </a:spcBef>
+              <a:buFont typeface="Arial" panose="020B0604020202020204" pitchFamily="34" charset="0"/>
+              <a:buChar char="•"/>
+              <a:defRPr sz="1800" kern="1200">
+                <a:solidFill>
+                  <a:schemeClr val="tx1"/>
+                </a:solidFill>
+                <a:latin typeface="+mn-lt"/>
+                <a:ea typeface="+mn-ea"/>
+                <a:cs typeface="+mn-cs"/>
+              </a:defRPr>
+            </a:lvl9pPr>
+          </a:lstStyle>
+          <a:p>
+            <a:r>
+              <a:rPr lang="en-US" altLang="zh-TW" dirty="0"/>
+              <a:t>load /store 1 cycle</a:t>
+            </a:r>
+          </a:p>
+          <a:p>
+            <a:r>
+              <a:rPr lang="en-US" altLang="zh-TW" dirty="0"/>
+              <a:t>add 2 cycles</a:t>
+            </a:r>
+          </a:p>
+          <a:p>
+            <a:r>
+              <a:rPr lang="en-US" altLang="zh-TW" dirty="0" err="1"/>
+              <a:t>mult</a:t>
+            </a:r>
+            <a:r>
+              <a:rPr lang="en-US" altLang="zh-TW" dirty="0"/>
+              <a:t> 8 cycles</a:t>
+            </a:r>
+          </a:p>
+          <a:p>
+            <a:r>
+              <a:rPr lang="en-US" altLang="zh-TW" dirty="0"/>
+              <a:t>div 40 cycles</a:t>
+            </a:r>
+            <a:endParaRPr lang="zh-TW" altLang="en-US" dirty="0"/>
+          </a:p>
+        </p:txBody>
+      </p:sp>
+    </p:spTree>
+    <p:extLst>
+      <p:ext uri="{BB962C8B-B14F-4D97-AF65-F5344CB8AC3E}">
+        <p14:creationId xmlns:p14="http://schemas.microsoft.com/office/powerpoint/2010/main" val="3423465688"/>
+      </p:ext>
+    </p:extLst>
+  </p:cSld>
+  <p:clrMapOvr>
+    <a:masterClrMapping/>
+  </p:clrMapOvr>
+</p:sld>
+</file>
+
+<file path=ppt/slides/slide9.xml><?xml version="1.0" encoding="utf-8"?>
 <p:sld xmlns:a="http://schemas.openxmlformats.org/drawingml/2006/main" xmlns:r="http://schemas.openxmlformats.org/officeDocument/2006/relationships" xmlns:p="http://schemas.openxmlformats.org/presentationml/2006/main">
   <p:cSld>
     <p:spTree>
@@ -23513,913 +24683,6 @@
 </p:sld>
 </file>
 
-<file path=ppt/slides/slide9.xml><?xml version="1.0" encoding="utf-8"?>
-<p:sld xmlns:a="http://schemas.openxmlformats.org/drawingml/2006/main" xmlns:r="http://schemas.openxmlformats.org/officeDocument/2006/relationships" xmlns:p="http://schemas.openxmlformats.org/presentationml/2006/main">
-  <p:cSld>
-    <p:spTree>
-      <p:nvGrpSpPr>
-        <p:cNvPr id="1" name=""/>
-        <p:cNvGrpSpPr/>
-        <p:nvPr/>
-      </p:nvGrpSpPr>
-      <p:grpSpPr>
-        <a:xfrm>
-          <a:off x="0" y="0"/>
-          <a:ext cx="0" cy="0"/>
-          <a:chOff x="0" y="0"/>
-          <a:chExt cx="0" cy="0"/>
-        </a:xfrm>
-      </p:grpSpPr>
-      <p:sp>
-        <p:nvSpPr>
-          <p:cNvPr id="2" name="標題 1">
-            <a:extLst>
-              <a:ext uri="{FF2B5EF4-FFF2-40B4-BE49-F238E27FC236}">
-                <a16:creationId xmlns:a16="http://schemas.microsoft.com/office/drawing/2014/main" id="{29DD1685-9595-4D60-8892-AE896C9A8976}"/>
-              </a:ext>
-            </a:extLst>
-          </p:cNvPr>
-          <p:cNvSpPr>
-            <a:spLocks noGrp="1"/>
-          </p:cNvSpPr>
-          <p:nvPr>
-            <p:ph type="title"/>
-          </p:nvPr>
-        </p:nvSpPr>
-        <p:spPr/>
-        <p:txBody>
-          <a:bodyPr/>
-          <a:lstStyle/>
-          <a:p>
-            <a:r>
-              <a:rPr lang="en-US" altLang="zh-TW" dirty="0"/>
-              <a:t>HLS run time</a:t>
-            </a:r>
-            <a:endParaRPr lang="zh-TW" altLang="en-US" dirty="0"/>
-          </a:p>
-        </p:txBody>
-      </p:sp>
-      <p:graphicFrame>
-        <p:nvGraphicFramePr>
-          <p:cNvPr id="10" name="內容版面配置區 9">
-            <a:extLst>
-              <a:ext uri="{FF2B5EF4-FFF2-40B4-BE49-F238E27FC236}">
-                <a16:creationId xmlns:a16="http://schemas.microsoft.com/office/drawing/2014/main" id="{8424CFF0-71D5-4EDB-9805-DBE83FABBD28}"/>
-              </a:ext>
-            </a:extLst>
-          </p:cNvPr>
-          <p:cNvGraphicFramePr>
-            <a:graphicFrameLocks noGrp="1"/>
-          </p:cNvGraphicFramePr>
-          <p:nvPr>
-            <p:ph idx="1"/>
-            <p:extLst>
-              <p:ext uri="{D42A27DB-BD31-4B8C-83A1-F6EECF244321}">
-                <p14:modId xmlns:p14="http://schemas.microsoft.com/office/powerpoint/2010/main" val="411692792"/>
-              </p:ext>
-            </p:extLst>
-          </p:nvPr>
-        </p:nvGraphicFramePr>
-        <p:xfrm>
-          <a:off x="838200" y="1825625"/>
-          <a:ext cx="10515600" cy="1112520"/>
-        </p:xfrm>
-        <a:graphic>
-          <a:graphicData uri="http://schemas.openxmlformats.org/drawingml/2006/table">
-            <a:tbl>
-              <a:tblPr firstRow="1" bandRow="1">
-                <a:tableStyleId>{5C22544A-7EE6-4342-B048-85BDC9FD1C3A}</a:tableStyleId>
-              </a:tblPr>
-              <a:tblGrid>
-                <a:gridCol w="2628900">
-                  <a:extLst>
-                    <a:ext uri="{9D8B030D-6E8A-4147-A177-3AD203B41FA5}">
-                      <a16:colId xmlns:a16="http://schemas.microsoft.com/office/drawing/2014/main" val="1888125318"/>
-                    </a:ext>
-                  </a:extLst>
-                </a:gridCol>
-                <a:gridCol w="2628900">
-                  <a:extLst>
-                    <a:ext uri="{9D8B030D-6E8A-4147-A177-3AD203B41FA5}">
-                      <a16:colId xmlns:a16="http://schemas.microsoft.com/office/drawing/2014/main" val="3236254234"/>
-                    </a:ext>
-                  </a:extLst>
-                </a:gridCol>
-                <a:gridCol w="2628900">
-                  <a:extLst>
-                    <a:ext uri="{9D8B030D-6E8A-4147-A177-3AD203B41FA5}">
-                      <a16:colId xmlns:a16="http://schemas.microsoft.com/office/drawing/2014/main" val="2983025143"/>
-                    </a:ext>
-                  </a:extLst>
-                </a:gridCol>
-                <a:gridCol w="2628900">
-                  <a:extLst>
-                    <a:ext uri="{9D8B030D-6E8A-4147-A177-3AD203B41FA5}">
-                      <a16:colId xmlns:a16="http://schemas.microsoft.com/office/drawing/2014/main" val="2518666767"/>
-                    </a:ext>
-                  </a:extLst>
-                </a:gridCol>
-              </a:tblGrid>
-              <a:tr h="370840">
-                <a:tc>
-                  <a:txBody>
-                    <a:bodyPr/>
-                    <a:lstStyle/>
-                    <a:p>
-                      <a:pPr algn="ctr"/>
-                      <a:r>
-                        <a:rPr lang="en-US" altLang="zh-TW" sz="1800" dirty="0"/>
-                        <a:t>(</a:t>
-                      </a:r>
-                      <a:r>
-                        <a:rPr lang="en-US" altLang="zh-TW" sz="1800" dirty="0" err="1"/>
-                        <a:t>ms</a:t>
-                      </a:r>
-                      <a:r>
-                        <a:rPr lang="en-US" altLang="zh-TW" sz="1800" dirty="0"/>
-                        <a:t>)</a:t>
-                      </a:r>
-                      <a:endParaRPr lang="zh-TW" altLang="en-US" sz="1800" dirty="0"/>
-                    </a:p>
-                  </a:txBody>
-                  <a:tcPr/>
-                </a:tc>
-                <a:tc>
-                  <a:txBody>
-                    <a:bodyPr/>
-                    <a:lstStyle/>
-                    <a:p>
-                      <a:pPr marL="0" marR="0" lvl="0" indent="0" algn="ctr" defTabSz="914400" rtl="0" eaLnBrk="1" fontAlgn="auto" latinLnBrk="0" hangingPunct="1">
-                        <a:lnSpc>
-                          <a:spcPct val="100000"/>
-                        </a:lnSpc>
-                        <a:spcBef>
-                          <a:spcPts val="0"/>
-                        </a:spcBef>
-                        <a:spcAft>
-                          <a:spcPts val="0"/>
-                        </a:spcAft>
-                        <a:buClrTx/>
-                        <a:buSzTx/>
-                        <a:buFontTx/>
-                        <a:buNone/>
-                        <a:tabLst/>
-                        <a:defRPr/>
-                      </a:pPr>
-                      <a:r>
-                        <a:rPr lang="en-US" altLang="zh-TW" sz="1800" dirty="0"/>
-                        <a:t>Version 1</a:t>
-                      </a:r>
-                    </a:p>
-                  </a:txBody>
-                  <a:tcPr/>
-                </a:tc>
-                <a:tc>
-                  <a:txBody>
-                    <a:bodyPr/>
-                    <a:lstStyle/>
-                    <a:p>
-                      <a:pPr marL="0" marR="0" lvl="0" indent="0" algn="ctr" defTabSz="914400" rtl="0" eaLnBrk="1" fontAlgn="auto" latinLnBrk="0" hangingPunct="1">
-                        <a:lnSpc>
-                          <a:spcPct val="100000"/>
-                        </a:lnSpc>
-                        <a:spcBef>
-                          <a:spcPts val="0"/>
-                        </a:spcBef>
-                        <a:spcAft>
-                          <a:spcPts val="0"/>
-                        </a:spcAft>
-                        <a:buClrTx/>
-                        <a:buSzTx/>
-                        <a:buFontTx/>
-                        <a:buNone/>
-                        <a:tabLst/>
-                        <a:defRPr/>
-                      </a:pPr>
-                      <a:r>
-                        <a:rPr lang="en-US" altLang="zh-TW" sz="1800" dirty="0"/>
-                        <a:t>Version 2</a:t>
-                      </a:r>
-                    </a:p>
-                  </a:txBody>
-                  <a:tcPr/>
-                </a:tc>
-                <a:tc>
-                  <a:txBody>
-                    <a:bodyPr/>
-                    <a:lstStyle/>
-                    <a:p>
-                      <a:pPr marL="0" marR="0" lvl="0" indent="0" algn="ctr" defTabSz="914400" rtl="0" eaLnBrk="1" fontAlgn="auto" latinLnBrk="0" hangingPunct="1">
-                        <a:lnSpc>
-                          <a:spcPct val="100000"/>
-                        </a:lnSpc>
-                        <a:spcBef>
-                          <a:spcPts val="0"/>
-                        </a:spcBef>
-                        <a:spcAft>
-                          <a:spcPts val="0"/>
-                        </a:spcAft>
-                        <a:buClrTx/>
-                        <a:buSzTx/>
-                        <a:buFontTx/>
-                        <a:buNone/>
-                        <a:tabLst/>
-                        <a:defRPr/>
-                      </a:pPr>
-                      <a:r>
-                        <a:rPr lang="en-US" altLang="zh-TW" sz="1800" dirty="0"/>
-                        <a:t>Version 3</a:t>
-                      </a:r>
-                    </a:p>
-                  </a:txBody>
-                  <a:tcPr/>
-                </a:tc>
-                <a:extLst>
-                  <a:ext uri="{0D108BD9-81ED-4DB2-BD59-A6C34878D82A}">
-                    <a16:rowId xmlns:a16="http://schemas.microsoft.com/office/drawing/2014/main" val="1944575248"/>
-                  </a:ext>
-                </a:extLst>
-              </a:tr>
-              <a:tr h="370840">
-                <a:tc>
-                  <a:txBody>
-                    <a:bodyPr/>
-                    <a:lstStyle/>
-                    <a:p>
-                      <a:pPr algn="ctr"/>
-                      <a:r>
-                        <a:rPr lang="en-US" altLang="zh-TW" sz="1800" dirty="0"/>
-                        <a:t>BASIC</a:t>
-                      </a:r>
-                      <a:endParaRPr lang="zh-TW" altLang="en-US" sz="1800" dirty="0"/>
-                    </a:p>
-                  </a:txBody>
-                  <a:tcPr/>
-                </a:tc>
-                <a:tc>
-                  <a:txBody>
-                    <a:bodyPr/>
-                    <a:lstStyle/>
-                    <a:p>
-                      <a:pPr algn="ctr">
-                        <a:spcAft>
-                          <a:spcPts val="0"/>
-                        </a:spcAft>
-                      </a:pPr>
-                      <a:r>
-                        <a:rPr lang="en-US" sz="1800" kern="100" dirty="0">
-                          <a:effectLst/>
-                          <a:latin typeface="Calibri" panose="020F0502020204030204" pitchFamily="34" charset="0"/>
-                          <a:ea typeface="新細明體" panose="02020500000000000000" pitchFamily="18" charset="-120"/>
-                          <a:cs typeface="Times New Roman" panose="02020603050405020304" pitchFamily="18" charset="0"/>
-                        </a:rPr>
-                        <a:t>268.433240</a:t>
-                      </a:r>
-                      <a:endParaRPr lang="zh-TW" sz="1800" kern="100" dirty="0">
-                        <a:effectLst/>
-                        <a:latin typeface="Calibri" panose="020F0502020204030204" pitchFamily="34" charset="0"/>
-                        <a:ea typeface="新細明體" panose="02020500000000000000" pitchFamily="18" charset="-120"/>
-                        <a:cs typeface="Times New Roman" panose="02020603050405020304" pitchFamily="18" charset="0"/>
-                      </a:endParaRPr>
-                    </a:p>
-                  </a:txBody>
-                  <a:tcPr marL="68580" marR="68580" marT="0" marB="0"/>
-                </a:tc>
-                <a:tc>
-                  <a:txBody>
-                    <a:bodyPr/>
-                    <a:lstStyle/>
-                    <a:p>
-                      <a:pPr algn="ctr">
-                        <a:spcAft>
-                          <a:spcPts val="0"/>
-                        </a:spcAft>
-                      </a:pPr>
-                      <a:r>
-                        <a:rPr lang="en-US" sz="1800" kern="100" dirty="0">
-                          <a:effectLst/>
-                          <a:latin typeface="Calibri" panose="020F0502020204030204" pitchFamily="34" charset="0"/>
-                          <a:ea typeface="新細明體" panose="02020500000000000000" pitchFamily="18" charset="-120"/>
-                          <a:cs typeface="Times New Roman" panose="02020603050405020304" pitchFamily="18" charset="0"/>
-                        </a:rPr>
-                        <a:t>184.658440 </a:t>
-                      </a:r>
-                      <a:endParaRPr lang="zh-TW" sz="1800" kern="100" dirty="0">
-                        <a:effectLst/>
-                        <a:latin typeface="Calibri" panose="020F0502020204030204" pitchFamily="34" charset="0"/>
-                        <a:ea typeface="新細明體" panose="02020500000000000000" pitchFamily="18" charset="-120"/>
-                        <a:cs typeface="Times New Roman" panose="02020603050405020304" pitchFamily="18" charset="0"/>
-                      </a:endParaRPr>
-                    </a:p>
-                  </a:txBody>
-                  <a:tcPr marL="68580" marR="68580" marT="0" marB="0"/>
-                </a:tc>
-                <a:tc>
-                  <a:txBody>
-                    <a:bodyPr/>
-                    <a:lstStyle/>
-                    <a:p>
-                      <a:pPr algn="ctr">
-                        <a:spcAft>
-                          <a:spcPts val="0"/>
-                        </a:spcAft>
-                      </a:pPr>
-                      <a:r>
-                        <a:rPr lang="en-US" sz="1800" kern="100" dirty="0">
-                          <a:effectLst/>
-                          <a:latin typeface="Calibri" panose="020F0502020204030204" pitchFamily="34" charset="0"/>
-                          <a:ea typeface="新細明體" panose="02020500000000000000" pitchFamily="18" charset="-120"/>
-                          <a:cs typeface="Times New Roman" panose="02020603050405020304" pitchFamily="18" charset="0"/>
-                        </a:rPr>
-                        <a:t>51.136900</a:t>
-                      </a:r>
-                      <a:endParaRPr lang="zh-TW" sz="1800" kern="100" dirty="0">
-                        <a:effectLst/>
-                        <a:latin typeface="Calibri" panose="020F0502020204030204" pitchFamily="34" charset="0"/>
-                        <a:ea typeface="新細明體" panose="02020500000000000000" pitchFamily="18" charset="-120"/>
-                        <a:cs typeface="Times New Roman" panose="02020603050405020304" pitchFamily="18" charset="0"/>
-                      </a:endParaRPr>
-                    </a:p>
-                  </a:txBody>
-                  <a:tcPr marL="68580" marR="68580" marT="0" marB="0"/>
-                </a:tc>
-                <a:extLst>
-                  <a:ext uri="{0D108BD9-81ED-4DB2-BD59-A6C34878D82A}">
-                    <a16:rowId xmlns:a16="http://schemas.microsoft.com/office/drawing/2014/main" val="119569299"/>
-                  </a:ext>
-                </a:extLst>
-              </a:tr>
-              <a:tr h="370840">
-                <a:tc>
-                  <a:txBody>
-                    <a:bodyPr/>
-                    <a:lstStyle/>
-                    <a:p>
-                      <a:pPr algn="ctr"/>
-                      <a:r>
-                        <a:rPr lang="en-US" altLang="zh-TW" sz="1800" dirty="0"/>
-                        <a:t>DPA</a:t>
-                      </a:r>
-                      <a:endParaRPr lang="zh-TW" altLang="en-US" sz="1800" dirty="0"/>
-                    </a:p>
-                  </a:txBody>
-                  <a:tcPr/>
-                </a:tc>
-                <a:tc>
-                  <a:txBody>
-                    <a:bodyPr/>
-                    <a:lstStyle/>
-                    <a:p>
-                      <a:pPr algn="ctr">
-                        <a:spcAft>
-                          <a:spcPts val="0"/>
-                        </a:spcAft>
-                      </a:pPr>
-                      <a:r>
-                        <a:rPr lang="en-US" sz="1800" kern="100" dirty="0">
-                          <a:effectLst/>
-                          <a:latin typeface="Calibri" panose="020F0502020204030204" pitchFamily="34" charset="0"/>
-                          <a:ea typeface="新細明體" panose="02020500000000000000" pitchFamily="18" charset="-120"/>
-                          <a:cs typeface="Times New Roman" panose="02020603050405020304" pitchFamily="18" charset="0"/>
-                        </a:rPr>
-                        <a:t>205.509890</a:t>
-                      </a:r>
-                      <a:endParaRPr lang="zh-TW" sz="1800" kern="100" dirty="0">
-                        <a:effectLst/>
-                        <a:latin typeface="Calibri" panose="020F0502020204030204" pitchFamily="34" charset="0"/>
-                        <a:ea typeface="新細明體" panose="02020500000000000000" pitchFamily="18" charset="-120"/>
-                        <a:cs typeface="Times New Roman" panose="02020603050405020304" pitchFamily="18" charset="0"/>
-                      </a:endParaRPr>
-                    </a:p>
-                  </a:txBody>
-                  <a:tcPr marL="68580" marR="68580" marT="0" marB="0"/>
-                </a:tc>
-                <a:tc>
-                  <a:txBody>
-                    <a:bodyPr/>
-                    <a:lstStyle/>
-                    <a:p>
-                      <a:pPr algn="ctr">
-                        <a:spcAft>
-                          <a:spcPts val="0"/>
-                        </a:spcAft>
-                      </a:pPr>
-                      <a:r>
-                        <a:rPr lang="en-US" sz="1800" kern="100" dirty="0">
-                          <a:effectLst/>
-                          <a:latin typeface="Calibri" panose="020F0502020204030204" pitchFamily="34" charset="0"/>
-                          <a:ea typeface="新細明體" panose="02020500000000000000" pitchFamily="18" charset="-120"/>
-                          <a:cs typeface="Times New Roman" panose="02020603050405020304" pitchFamily="18" charset="0"/>
-                        </a:rPr>
-                        <a:t>117.846460</a:t>
-                      </a:r>
-                      <a:endParaRPr lang="zh-TW" sz="1800" kern="100" dirty="0">
-                        <a:effectLst/>
-                        <a:latin typeface="Calibri" panose="020F0502020204030204" pitchFamily="34" charset="0"/>
-                        <a:ea typeface="新細明體" panose="02020500000000000000" pitchFamily="18" charset="-120"/>
-                        <a:cs typeface="Times New Roman" panose="02020603050405020304" pitchFamily="18" charset="0"/>
-                      </a:endParaRPr>
-                    </a:p>
-                  </a:txBody>
-                  <a:tcPr marL="68580" marR="68580" marT="0" marB="0"/>
-                </a:tc>
-                <a:tc>
-                  <a:txBody>
-                    <a:bodyPr/>
-                    <a:lstStyle/>
-                    <a:p>
-                      <a:pPr algn="ctr">
-                        <a:spcAft>
-                          <a:spcPts val="0"/>
-                        </a:spcAft>
-                      </a:pPr>
-                      <a:r>
-                        <a:rPr lang="en-US" sz="1800" kern="100" dirty="0">
-                          <a:effectLst/>
-                          <a:latin typeface="Calibri" panose="020F0502020204030204" pitchFamily="34" charset="0"/>
-                          <a:ea typeface="新細明體" panose="02020500000000000000" pitchFamily="18" charset="-120"/>
-                          <a:cs typeface="Times New Roman" panose="02020603050405020304" pitchFamily="18" charset="0"/>
-                        </a:rPr>
-                        <a:t>47.204740</a:t>
-                      </a:r>
-                      <a:endParaRPr lang="zh-TW" sz="1800" kern="100" dirty="0">
-                        <a:effectLst/>
-                        <a:latin typeface="Calibri" panose="020F0502020204030204" pitchFamily="34" charset="0"/>
-                        <a:ea typeface="新細明體" panose="02020500000000000000" pitchFamily="18" charset="-120"/>
-                        <a:cs typeface="Times New Roman" panose="02020603050405020304" pitchFamily="18" charset="0"/>
-                      </a:endParaRPr>
-                    </a:p>
-                  </a:txBody>
-                  <a:tcPr marL="68580" marR="68580" marT="0" marB="0"/>
-                </a:tc>
-                <a:extLst>
-                  <a:ext uri="{0D108BD9-81ED-4DB2-BD59-A6C34878D82A}">
-                    <a16:rowId xmlns:a16="http://schemas.microsoft.com/office/drawing/2014/main" val="445294254"/>
-                  </a:ext>
-                </a:extLst>
-              </a:tr>
-            </a:tbl>
-          </a:graphicData>
-        </a:graphic>
-      </p:graphicFrame>
-      <p:graphicFrame>
-        <p:nvGraphicFramePr>
-          <p:cNvPr id="11" name="內容版面配置區 9">
-            <a:extLst>
-              <a:ext uri="{FF2B5EF4-FFF2-40B4-BE49-F238E27FC236}">
-                <a16:creationId xmlns:a16="http://schemas.microsoft.com/office/drawing/2014/main" id="{63E5047B-69E6-4BB2-9B38-FC01AF118483}"/>
-              </a:ext>
-            </a:extLst>
-          </p:cNvPr>
-          <p:cNvGraphicFramePr>
-            <a:graphicFrameLocks/>
-          </p:cNvGraphicFramePr>
-          <p:nvPr>
-            <p:extLst>
-              <p:ext uri="{D42A27DB-BD31-4B8C-83A1-F6EECF244321}">
-                <p14:modId xmlns:p14="http://schemas.microsoft.com/office/powerpoint/2010/main" val="3504949411"/>
-              </p:ext>
-            </p:extLst>
-          </p:nvPr>
-        </p:nvGraphicFramePr>
-        <p:xfrm>
-          <a:off x="838200" y="4694116"/>
-          <a:ext cx="10515600" cy="1107440"/>
-        </p:xfrm>
-        <a:graphic>
-          <a:graphicData uri="http://schemas.openxmlformats.org/drawingml/2006/table">
-            <a:tbl>
-              <a:tblPr firstRow="1" bandRow="1">
-                <a:tableStyleId>{5C22544A-7EE6-4342-B048-85BDC9FD1C3A}</a:tableStyleId>
-              </a:tblPr>
-              <a:tblGrid>
-                <a:gridCol w="2628900">
-                  <a:extLst>
-                    <a:ext uri="{9D8B030D-6E8A-4147-A177-3AD203B41FA5}">
-                      <a16:colId xmlns:a16="http://schemas.microsoft.com/office/drawing/2014/main" val="1888125318"/>
-                    </a:ext>
-                  </a:extLst>
-                </a:gridCol>
-                <a:gridCol w="2628900">
-                  <a:extLst>
-                    <a:ext uri="{9D8B030D-6E8A-4147-A177-3AD203B41FA5}">
-                      <a16:colId xmlns:a16="http://schemas.microsoft.com/office/drawing/2014/main" val="3236254234"/>
-                    </a:ext>
-                  </a:extLst>
-                </a:gridCol>
-                <a:gridCol w="2628900">
-                  <a:extLst>
-                    <a:ext uri="{9D8B030D-6E8A-4147-A177-3AD203B41FA5}">
-                      <a16:colId xmlns:a16="http://schemas.microsoft.com/office/drawing/2014/main" val="2983025143"/>
-                    </a:ext>
-                  </a:extLst>
-                </a:gridCol>
-                <a:gridCol w="2628900">
-                  <a:extLst>
-                    <a:ext uri="{9D8B030D-6E8A-4147-A177-3AD203B41FA5}">
-                      <a16:colId xmlns:a16="http://schemas.microsoft.com/office/drawing/2014/main" val="2518666767"/>
-                    </a:ext>
-                  </a:extLst>
-                </a:gridCol>
-              </a:tblGrid>
-              <a:tr h="247349">
-                <a:tc>
-                  <a:txBody>
-                    <a:bodyPr/>
-                    <a:lstStyle/>
-                    <a:p>
-                      <a:pPr algn="ctr"/>
-                      <a:endParaRPr lang="zh-TW" altLang="en-US" sz="1800" dirty="0"/>
-                    </a:p>
-                  </a:txBody>
-                  <a:tcPr/>
-                </a:tc>
-                <a:tc>
-                  <a:txBody>
-                    <a:bodyPr/>
-                    <a:lstStyle/>
-                    <a:p>
-                      <a:pPr marL="0" marR="0" lvl="0" indent="0" algn="ctr" defTabSz="914400" rtl="0" eaLnBrk="1" fontAlgn="auto" latinLnBrk="0" hangingPunct="1">
-                        <a:lnSpc>
-                          <a:spcPct val="100000"/>
-                        </a:lnSpc>
-                        <a:spcBef>
-                          <a:spcPts val="0"/>
-                        </a:spcBef>
-                        <a:spcAft>
-                          <a:spcPts val="0"/>
-                        </a:spcAft>
-                        <a:buClrTx/>
-                        <a:buSzTx/>
-                        <a:buFontTx/>
-                        <a:buNone/>
-                        <a:tabLst/>
-                        <a:defRPr/>
-                      </a:pPr>
-                      <a:r>
-                        <a:rPr lang="en-US" altLang="zh-TW" sz="1800" dirty="0"/>
-                        <a:t>Version 1</a:t>
-                      </a:r>
-                    </a:p>
-                  </a:txBody>
-                  <a:tcPr/>
-                </a:tc>
-                <a:tc>
-                  <a:txBody>
-                    <a:bodyPr/>
-                    <a:lstStyle/>
-                    <a:p>
-                      <a:pPr marL="0" marR="0" lvl="0" indent="0" algn="ctr" defTabSz="914400" rtl="0" eaLnBrk="1" fontAlgn="auto" latinLnBrk="0" hangingPunct="1">
-                        <a:lnSpc>
-                          <a:spcPct val="100000"/>
-                        </a:lnSpc>
-                        <a:spcBef>
-                          <a:spcPts val="0"/>
-                        </a:spcBef>
-                        <a:spcAft>
-                          <a:spcPts val="0"/>
-                        </a:spcAft>
-                        <a:buClrTx/>
-                        <a:buSzTx/>
-                        <a:buFontTx/>
-                        <a:buNone/>
-                        <a:tabLst/>
-                        <a:defRPr/>
-                      </a:pPr>
-                      <a:r>
-                        <a:rPr lang="en-US" altLang="zh-TW" sz="1800" dirty="0"/>
-                        <a:t>Version 2</a:t>
-                      </a:r>
-                    </a:p>
-                  </a:txBody>
-                  <a:tcPr/>
-                </a:tc>
-                <a:tc>
-                  <a:txBody>
-                    <a:bodyPr/>
-                    <a:lstStyle/>
-                    <a:p>
-                      <a:pPr marL="0" marR="0" lvl="0" indent="0" algn="ctr" defTabSz="914400" rtl="0" eaLnBrk="1" fontAlgn="auto" latinLnBrk="0" hangingPunct="1">
-                        <a:lnSpc>
-                          <a:spcPct val="100000"/>
-                        </a:lnSpc>
-                        <a:spcBef>
-                          <a:spcPts val="0"/>
-                        </a:spcBef>
-                        <a:spcAft>
-                          <a:spcPts val="0"/>
-                        </a:spcAft>
-                        <a:buClrTx/>
-                        <a:buSzTx/>
-                        <a:buFontTx/>
-                        <a:buNone/>
-                        <a:tabLst/>
-                        <a:defRPr/>
-                      </a:pPr>
-                      <a:r>
-                        <a:rPr lang="en-US" altLang="zh-TW" sz="1800" dirty="0"/>
-                        <a:t>Version 3</a:t>
-                      </a:r>
-                    </a:p>
-                  </a:txBody>
-                  <a:tcPr/>
-                </a:tc>
-                <a:extLst>
-                  <a:ext uri="{0D108BD9-81ED-4DB2-BD59-A6C34878D82A}">
-                    <a16:rowId xmlns:a16="http://schemas.microsoft.com/office/drawing/2014/main" val="1944575248"/>
-                  </a:ext>
-                </a:extLst>
-              </a:tr>
-              <a:tr h="370840">
-                <a:tc>
-                  <a:txBody>
-                    <a:bodyPr/>
-                    <a:lstStyle/>
-                    <a:p>
-                      <a:pPr algn="ctr"/>
-                      <a:r>
-                        <a:rPr lang="en-US" altLang="zh-TW" sz="1800" dirty="0"/>
-                        <a:t>BASIC</a:t>
-                      </a:r>
-                      <a:endParaRPr lang="zh-TW" altLang="en-US" sz="1800" dirty="0"/>
-                    </a:p>
-                  </a:txBody>
-                  <a:tcPr/>
-                </a:tc>
-                <a:tc>
-                  <a:txBody>
-                    <a:bodyPr/>
-                    <a:lstStyle/>
-                    <a:p>
-                      <a:pPr algn="ctr">
-                        <a:spcAft>
-                          <a:spcPts val="0"/>
-                        </a:spcAft>
-                      </a:pPr>
-                      <a:r>
-                        <a:rPr lang="en-US" sz="1800" kern="100">
-                          <a:effectLst/>
-                          <a:latin typeface="Calibri" panose="020F0502020204030204" pitchFamily="34" charset="0"/>
-                          <a:ea typeface="新細明體" panose="02020500000000000000" pitchFamily="18" charset="-120"/>
-                          <a:cs typeface="Times New Roman" panose="02020603050405020304" pitchFamily="18" charset="0"/>
-                        </a:rPr>
-                        <a:t>18272</a:t>
-                      </a:r>
-                      <a:endParaRPr lang="zh-TW" sz="1800" kern="100">
-                        <a:effectLst/>
-                        <a:latin typeface="Calibri" panose="020F0502020204030204" pitchFamily="34" charset="0"/>
-                        <a:ea typeface="新細明體" panose="02020500000000000000" pitchFamily="18" charset="-120"/>
-                        <a:cs typeface="Times New Roman" panose="02020603050405020304" pitchFamily="18" charset="0"/>
-                      </a:endParaRPr>
-                    </a:p>
-                  </a:txBody>
-                  <a:tcPr marL="68580" marR="68580" marT="0" marB="0"/>
-                </a:tc>
-                <a:tc>
-                  <a:txBody>
-                    <a:bodyPr/>
-                    <a:lstStyle/>
-                    <a:p>
-                      <a:pPr algn="ctr">
-                        <a:spcAft>
-                          <a:spcPts val="0"/>
-                        </a:spcAft>
-                      </a:pPr>
-                      <a:r>
-                        <a:rPr lang="en-US" sz="1800" kern="100">
-                          <a:effectLst/>
-                          <a:latin typeface="Calibri" panose="020F0502020204030204" pitchFamily="34" charset="0"/>
-                          <a:ea typeface="新細明體" panose="02020500000000000000" pitchFamily="18" charset="-120"/>
-                          <a:cs typeface="Times New Roman" panose="02020603050405020304" pitchFamily="18" charset="0"/>
-                        </a:rPr>
-                        <a:t>6475</a:t>
-                      </a:r>
-                      <a:endParaRPr lang="zh-TW" sz="1800" kern="100">
-                        <a:effectLst/>
-                        <a:latin typeface="Calibri" panose="020F0502020204030204" pitchFamily="34" charset="0"/>
-                        <a:ea typeface="新細明體" panose="02020500000000000000" pitchFamily="18" charset="-120"/>
-                        <a:cs typeface="Times New Roman" panose="02020603050405020304" pitchFamily="18" charset="0"/>
-                      </a:endParaRPr>
-                    </a:p>
-                  </a:txBody>
-                  <a:tcPr marL="68580" marR="68580" marT="0" marB="0"/>
-                </a:tc>
-                <a:tc>
-                  <a:txBody>
-                    <a:bodyPr/>
-                    <a:lstStyle/>
-                    <a:p>
-                      <a:pPr algn="ctr">
-                        <a:spcAft>
-                          <a:spcPts val="0"/>
-                        </a:spcAft>
-                      </a:pPr>
-                      <a:r>
-                        <a:rPr lang="en-US" sz="1800" kern="100">
-                          <a:effectLst/>
-                          <a:latin typeface="Calibri" panose="020F0502020204030204" pitchFamily="34" charset="0"/>
-                          <a:ea typeface="新細明體" panose="02020500000000000000" pitchFamily="18" charset="-120"/>
-                          <a:cs typeface="Times New Roman" panose="02020603050405020304" pitchFamily="18" charset="0"/>
-                        </a:rPr>
-                        <a:t>7940</a:t>
-                      </a:r>
-                      <a:endParaRPr lang="zh-TW" sz="1800" kern="100">
-                        <a:effectLst/>
-                        <a:latin typeface="Calibri" panose="020F0502020204030204" pitchFamily="34" charset="0"/>
-                        <a:ea typeface="新細明體" panose="02020500000000000000" pitchFamily="18" charset="-120"/>
-                        <a:cs typeface="Times New Roman" panose="02020603050405020304" pitchFamily="18" charset="0"/>
-                      </a:endParaRPr>
-                    </a:p>
-                  </a:txBody>
-                  <a:tcPr marL="68580" marR="68580" marT="0" marB="0"/>
-                </a:tc>
-                <a:extLst>
-                  <a:ext uri="{0D108BD9-81ED-4DB2-BD59-A6C34878D82A}">
-                    <a16:rowId xmlns:a16="http://schemas.microsoft.com/office/drawing/2014/main" val="119569299"/>
-                  </a:ext>
-                </a:extLst>
-              </a:tr>
-              <a:tr h="370840">
-                <a:tc>
-                  <a:txBody>
-                    <a:bodyPr/>
-                    <a:lstStyle/>
-                    <a:p>
-                      <a:pPr algn="ctr"/>
-                      <a:r>
-                        <a:rPr lang="en-US" altLang="zh-TW" sz="1800" dirty="0"/>
-                        <a:t>DPA</a:t>
-                      </a:r>
-                      <a:endParaRPr lang="zh-TW" altLang="en-US" sz="1800" dirty="0"/>
-                    </a:p>
-                  </a:txBody>
-                  <a:tcPr/>
-                </a:tc>
-                <a:tc>
-                  <a:txBody>
-                    <a:bodyPr/>
-                    <a:lstStyle/>
-                    <a:p>
-                      <a:pPr algn="ctr">
-                        <a:spcAft>
-                          <a:spcPts val="0"/>
-                        </a:spcAft>
-                      </a:pPr>
-                      <a:r>
-                        <a:rPr lang="en-US" sz="1800" kern="100">
-                          <a:effectLst/>
-                          <a:latin typeface="Calibri" panose="020F0502020204030204" pitchFamily="34" charset="0"/>
-                          <a:ea typeface="新細明體" panose="02020500000000000000" pitchFamily="18" charset="-120"/>
-                          <a:cs typeface="Times New Roman" panose="02020603050405020304" pitchFamily="18" charset="0"/>
-                        </a:rPr>
-                        <a:t>17051</a:t>
-                      </a:r>
-                      <a:endParaRPr lang="zh-TW" sz="1800" kern="100">
-                        <a:effectLst/>
-                        <a:latin typeface="Calibri" panose="020F0502020204030204" pitchFamily="34" charset="0"/>
-                        <a:ea typeface="新細明體" panose="02020500000000000000" pitchFamily="18" charset="-120"/>
-                        <a:cs typeface="Times New Roman" panose="02020603050405020304" pitchFamily="18" charset="0"/>
-                      </a:endParaRPr>
-                    </a:p>
-                  </a:txBody>
-                  <a:tcPr marL="68580" marR="68580" marT="0" marB="0"/>
-                </a:tc>
-                <a:tc>
-                  <a:txBody>
-                    <a:bodyPr/>
-                    <a:lstStyle/>
-                    <a:p>
-                      <a:pPr algn="ctr">
-                        <a:spcAft>
-                          <a:spcPts val="0"/>
-                        </a:spcAft>
-                      </a:pPr>
-                      <a:r>
-                        <a:rPr lang="en-US" sz="1800" kern="100">
-                          <a:effectLst/>
-                          <a:latin typeface="Calibri" panose="020F0502020204030204" pitchFamily="34" charset="0"/>
-                          <a:ea typeface="新細明體" panose="02020500000000000000" pitchFamily="18" charset="-120"/>
-                          <a:cs typeface="Times New Roman" panose="02020603050405020304" pitchFamily="18" charset="0"/>
-                        </a:rPr>
-                        <a:t>6766</a:t>
-                      </a:r>
-                      <a:endParaRPr lang="zh-TW" sz="1800" kern="100">
-                        <a:effectLst/>
-                        <a:latin typeface="Calibri" panose="020F0502020204030204" pitchFamily="34" charset="0"/>
-                        <a:ea typeface="新細明體" panose="02020500000000000000" pitchFamily="18" charset="-120"/>
-                        <a:cs typeface="Times New Roman" panose="02020603050405020304" pitchFamily="18" charset="0"/>
-                      </a:endParaRPr>
-                    </a:p>
-                  </a:txBody>
-                  <a:tcPr marL="68580" marR="68580" marT="0" marB="0"/>
-                </a:tc>
-                <a:tc>
-                  <a:txBody>
-                    <a:bodyPr/>
-                    <a:lstStyle/>
-                    <a:p>
-                      <a:pPr algn="ctr">
-                        <a:spcAft>
-                          <a:spcPts val="0"/>
-                        </a:spcAft>
-                      </a:pPr>
-                      <a:r>
-                        <a:rPr lang="en-US" sz="1800" kern="100" dirty="0">
-                          <a:effectLst/>
-                          <a:latin typeface="Calibri" panose="020F0502020204030204" pitchFamily="34" charset="0"/>
-                          <a:ea typeface="新細明體" panose="02020500000000000000" pitchFamily="18" charset="-120"/>
-                          <a:cs typeface="Times New Roman" panose="02020603050405020304" pitchFamily="18" charset="0"/>
-                        </a:rPr>
-                        <a:t>6762</a:t>
-                      </a:r>
-                      <a:endParaRPr lang="zh-TW" sz="1800" kern="100" dirty="0">
-                        <a:effectLst/>
-                        <a:latin typeface="Calibri" panose="020F0502020204030204" pitchFamily="34" charset="0"/>
-                        <a:ea typeface="新細明體" panose="02020500000000000000" pitchFamily="18" charset="-120"/>
-                        <a:cs typeface="Times New Roman" panose="02020603050405020304" pitchFamily="18" charset="0"/>
-                      </a:endParaRPr>
-                    </a:p>
-                  </a:txBody>
-                  <a:tcPr marL="68580" marR="68580" marT="0" marB="0"/>
-                </a:tc>
-                <a:extLst>
-                  <a:ext uri="{0D108BD9-81ED-4DB2-BD59-A6C34878D82A}">
-                    <a16:rowId xmlns:a16="http://schemas.microsoft.com/office/drawing/2014/main" val="445294254"/>
-                  </a:ext>
-                </a:extLst>
-              </a:tr>
-            </a:tbl>
-          </a:graphicData>
-        </a:graphic>
-      </p:graphicFrame>
-      <p:sp>
-        <p:nvSpPr>
-          <p:cNvPr id="12" name="標題 1">
-            <a:extLst>
-              <a:ext uri="{FF2B5EF4-FFF2-40B4-BE49-F238E27FC236}">
-                <a16:creationId xmlns:a16="http://schemas.microsoft.com/office/drawing/2014/main" id="{A719678F-CE3F-4319-A7E4-69A21E4FD70A}"/>
-              </a:ext>
-            </a:extLst>
-          </p:cNvPr>
-          <p:cNvSpPr txBox="1">
-            <a:spLocks/>
-          </p:cNvSpPr>
-          <p:nvPr/>
-        </p:nvSpPr>
-        <p:spPr>
-          <a:xfrm>
-            <a:off x="838200" y="3257074"/>
-            <a:ext cx="10515600" cy="1325563"/>
-          </a:xfrm>
-          <a:prstGeom prst="rect">
-            <a:avLst/>
-          </a:prstGeom>
-        </p:spPr>
-        <p:txBody>
-          <a:bodyPr vert="horz" lIns="91440" tIns="45720" rIns="91440" bIns="45720" rtlCol="0" anchor="ctr">
-            <a:normAutofit/>
-          </a:bodyPr>
-          <a:lstStyle>
-            <a:lvl1pPr algn="l" defTabSz="914400" rtl="0" eaLnBrk="1" latinLnBrk="0" hangingPunct="1">
-              <a:lnSpc>
-                <a:spcPct val="90000"/>
-              </a:lnSpc>
-              <a:spcBef>
-                <a:spcPct val="0"/>
-              </a:spcBef>
-              <a:buNone/>
-              <a:defRPr sz="4400" kern="1200">
-                <a:solidFill>
-                  <a:schemeClr val="tx1"/>
-                </a:solidFill>
-                <a:latin typeface="+mj-lt"/>
-                <a:ea typeface="+mj-ea"/>
-                <a:cs typeface="+mj-cs"/>
-              </a:defRPr>
-            </a:lvl1pPr>
-          </a:lstStyle>
-          <a:p>
-            <a:r>
-              <a:rPr lang="en-US" altLang="zh-TW" dirty="0"/>
-              <a:t>HLS area</a:t>
-            </a:r>
-            <a:endParaRPr lang="zh-TW" altLang="en-US" dirty="0"/>
-          </a:p>
-        </p:txBody>
-      </p:sp>
-    </p:spTree>
-    <p:extLst>
-      <p:ext uri="{BB962C8B-B14F-4D97-AF65-F5344CB8AC3E}">
-        <p14:creationId xmlns:p14="http://schemas.microsoft.com/office/powerpoint/2010/main" val="2593551608"/>
-      </p:ext>
-    </p:extLst>
-  </p:cSld>
-  <p:clrMapOvr>
-    <a:masterClrMapping/>
-  </p:clrMapOvr>
-</p:sld>
-</file>
-
 <file path=ppt/theme/theme1.xml><?xml version="1.0" encoding="utf-8"?>
 <a:theme xmlns:a="http://schemas.openxmlformats.org/drawingml/2006/main" name="Office 佈景主題">
   <a:themeElements>

--- a/109061634_report.pptx
+++ b/109061634_report.pptx
@@ -5770,6 +5770,640 @@
           </a:p>
         </p:txBody>
       </p:sp>
+      <mc:AlternateContent xmlns:mc="http://schemas.openxmlformats.org/markup-compatibility/2006">
+        <mc:Choice xmlns:a14="http://schemas.microsoft.com/office/drawing/2010/main" Requires="a14">
+          <p:sp>
+            <p:nvSpPr>
+              <p:cNvPr id="10" name="矩形 9">
+                <a:extLst>
+                  <a:ext uri="{FF2B5EF4-FFF2-40B4-BE49-F238E27FC236}">
+                    <a16:creationId xmlns:a16="http://schemas.microsoft.com/office/drawing/2014/main" id="{C021C3AD-B57E-40BF-846B-9FB9D06B165F}"/>
+                  </a:ext>
+                </a:extLst>
+              </p:cNvPr>
+              <p:cNvSpPr/>
+              <p:nvPr/>
+            </p:nvSpPr>
+            <p:spPr>
+              <a:xfrm>
+                <a:off x="9543051" y="67265"/>
+                <a:ext cx="2552070" cy="972702"/>
+              </a:xfrm>
+              <a:prstGeom prst="rect">
+                <a:avLst/>
+              </a:prstGeom>
+            </p:spPr>
+            <p:txBody>
+              <a:bodyPr wrap="square">
+                <a:spAutoFit/>
+              </a:bodyPr>
+              <a:lstStyle/>
+              <a:p>
+                <a:pPr/>
+                <a14:m>
+                  <m:oMathPara xmlns:m="http://schemas.openxmlformats.org/officeDocument/2006/math">
+                    <m:oMathParaPr>
+                      <m:jc m:val="centerGroup"/>
+                    </m:oMathParaPr>
+                    <m:oMath xmlns:m="http://schemas.openxmlformats.org/officeDocument/2006/math">
+                      <m:r>
+                        <a:rPr lang="en-US" altLang="zh-TW" i="1" smtClean="0">
+                          <a:latin typeface="Cambria Math" panose="02040503050406030204" pitchFamily="18" charset="0"/>
+                          <a:ea typeface="Cambria Math" panose="02040503050406030204" pitchFamily="18" charset="0"/>
+                        </a:rPr>
+                        <m:t> </m:t>
+                      </m:r>
+                      <m:r>
+                        <a:rPr lang="en-US" altLang="zh-TW" b="0" i="1" smtClean="0">
+                          <a:latin typeface="Cambria Math" panose="02040503050406030204" pitchFamily="18" charset="0"/>
+                          <a:ea typeface="Cambria Math" panose="02040503050406030204" pitchFamily="18" charset="0"/>
+                        </a:rPr>
+                        <m:t>  </m:t>
+                      </m:r>
+                      <m:r>
+                        <a:rPr lang="en-US" altLang="zh-TW" i="1" smtClean="0">
+                          <a:latin typeface="Cambria Math" panose="02040503050406030204" pitchFamily="18" charset="0"/>
+                          <a:ea typeface="Cambria Math" panose="02040503050406030204" pitchFamily="18" charset="0"/>
+                        </a:rPr>
+                        <m:t> </m:t>
+                      </m:r>
+                      <m:d>
+                        <m:dPr>
+                          <m:begChr m:val="["/>
+                          <m:endChr m:val="]"/>
+                          <m:ctrlPr>
+                            <a:rPr lang="en-US" altLang="zh-TW" i="1">
+                              <a:latin typeface="Cambria Math" panose="02040503050406030204" pitchFamily="18" charset="0"/>
+                              <a:ea typeface="Cambria Math" panose="02040503050406030204" pitchFamily="18" charset="0"/>
+                            </a:rPr>
+                          </m:ctrlPr>
+                        </m:dPr>
+                        <m:e>
+                          <m:m>
+                            <m:mPr>
+                              <m:mcs>
+                                <m:mc>
+                                  <m:mcPr>
+                                    <m:count m:val="3"/>
+                                    <m:mcJc m:val="center"/>
+                                  </m:mcPr>
+                                </m:mc>
+                              </m:mcs>
+                              <m:ctrlPr>
+                                <a:rPr lang="en-US" altLang="zh-TW" i="1">
+                                  <a:latin typeface="Cambria Math" panose="02040503050406030204" pitchFamily="18" charset="0"/>
+                                  <a:ea typeface="Cambria Math" panose="02040503050406030204" pitchFamily="18" charset="0"/>
+                                </a:rPr>
+                              </m:ctrlPr>
+                            </m:mPr>
+                            <m:mr>
+                              <m:e>
+                                <m:r>
+                                  <m:rPr>
+                                    <m:brk m:alnAt="7"/>
+                                  </m:rPr>
+                                  <a:rPr lang="en-US" altLang="zh-TW" b="0" i="1" smtClean="0">
+                                    <a:latin typeface="Cambria Math" panose="02040503050406030204" pitchFamily="18" charset="0"/>
+                                    <a:ea typeface="Cambria Math" panose="02040503050406030204" pitchFamily="18" charset="0"/>
+                                  </a:rPr>
+                                  <m:t>1</m:t>
+                                </m:r>
+                                <m:r>
+                                  <a:rPr lang="en-US" altLang="zh-TW" b="0" i="1" smtClean="0">
+                                    <a:latin typeface="Cambria Math" panose="02040503050406030204" pitchFamily="18" charset="0"/>
+                                    <a:ea typeface="Cambria Math" panose="02040503050406030204" pitchFamily="18" charset="0"/>
+                                  </a:rPr>
+                                  <m:t>/16</m:t>
+                                </m:r>
+                              </m:e>
+                              <m:e>
+                                <m:r>
+                                  <a:rPr lang="en-US" altLang="zh-TW" b="0" i="1" smtClean="0">
+                                    <a:latin typeface="Cambria Math" panose="02040503050406030204" pitchFamily="18" charset="0"/>
+                                    <a:ea typeface="Cambria Math" panose="02040503050406030204" pitchFamily="18" charset="0"/>
+                                  </a:rPr>
+                                  <m:t>2/16</m:t>
+                                </m:r>
+                              </m:e>
+                              <m:e>
+                                <m:r>
+                                  <a:rPr lang="en-US" altLang="zh-TW" b="0" i="1" smtClean="0">
+                                    <a:latin typeface="Cambria Math" panose="02040503050406030204" pitchFamily="18" charset="0"/>
+                                    <a:ea typeface="Cambria Math" panose="02040503050406030204" pitchFamily="18" charset="0"/>
+                                  </a:rPr>
+                                  <m:t>1/16</m:t>
+                                </m:r>
+                              </m:e>
+                            </m:mr>
+                            <m:mr>
+                              <m:e>
+                                <m:r>
+                                  <a:rPr lang="en-US" altLang="zh-TW" b="0" i="1" smtClean="0">
+                                    <a:latin typeface="Cambria Math" panose="02040503050406030204" pitchFamily="18" charset="0"/>
+                                    <a:ea typeface="Cambria Math" panose="02040503050406030204" pitchFamily="18" charset="0"/>
+                                  </a:rPr>
+                                  <m:t>2/16</m:t>
+                                </m:r>
+                              </m:e>
+                              <m:e>
+                                <m:r>
+                                  <a:rPr lang="en-US" altLang="zh-TW" b="0" i="1" smtClean="0">
+                                    <a:latin typeface="Cambria Math" panose="02040503050406030204" pitchFamily="18" charset="0"/>
+                                    <a:ea typeface="Cambria Math" panose="02040503050406030204" pitchFamily="18" charset="0"/>
+                                  </a:rPr>
+                                  <m:t>4/16</m:t>
+                                </m:r>
+                              </m:e>
+                              <m:e>
+                                <m:r>
+                                  <a:rPr lang="en-US" altLang="zh-TW" b="0" i="1" smtClean="0">
+                                    <a:latin typeface="Cambria Math" panose="02040503050406030204" pitchFamily="18" charset="0"/>
+                                    <a:ea typeface="Cambria Math" panose="02040503050406030204" pitchFamily="18" charset="0"/>
+                                  </a:rPr>
+                                  <m:t>2/16</m:t>
+                                </m:r>
+                              </m:e>
+                            </m:mr>
+                            <m:mr>
+                              <m:e>
+                                <m:r>
+                                  <a:rPr lang="en-US" altLang="zh-TW" b="0" i="1" smtClean="0">
+                                    <a:latin typeface="Cambria Math" panose="02040503050406030204" pitchFamily="18" charset="0"/>
+                                    <a:ea typeface="Cambria Math" panose="02040503050406030204" pitchFamily="18" charset="0"/>
+                                  </a:rPr>
+                                  <m:t>1/16</m:t>
+                                </m:r>
+                              </m:e>
+                              <m:e>
+                                <m:r>
+                                  <a:rPr lang="en-US" altLang="zh-TW" b="0" i="1" smtClean="0">
+                                    <a:latin typeface="Cambria Math" panose="02040503050406030204" pitchFamily="18" charset="0"/>
+                                    <a:ea typeface="Cambria Math" panose="02040503050406030204" pitchFamily="18" charset="0"/>
+                                  </a:rPr>
+                                  <m:t>2/16</m:t>
+                                </m:r>
+                              </m:e>
+                              <m:e>
+                                <m:r>
+                                  <a:rPr lang="en-US" altLang="zh-TW" i="1">
+                                    <a:latin typeface="Cambria Math" panose="02040503050406030204" pitchFamily="18" charset="0"/>
+                                    <a:ea typeface="Cambria Math" panose="02040503050406030204" pitchFamily="18" charset="0"/>
+                                  </a:rPr>
+                                  <m:t>1</m:t>
+                                </m:r>
+                                <m:r>
+                                  <a:rPr lang="en-US" altLang="zh-TW" b="0" i="1" smtClean="0">
+                                    <a:latin typeface="Cambria Math" panose="02040503050406030204" pitchFamily="18" charset="0"/>
+                                    <a:ea typeface="Cambria Math" panose="02040503050406030204" pitchFamily="18" charset="0"/>
+                                  </a:rPr>
+                                  <m:t>/16</m:t>
+                                </m:r>
+                              </m:e>
+                            </m:mr>
+                          </m:m>
+                        </m:e>
+                      </m:d>
+                      <m:r>
+                        <a:rPr lang="en-US" altLang="zh-TW" i="1">
+                          <a:latin typeface="Cambria Math" panose="02040503050406030204" pitchFamily="18" charset="0"/>
+                          <a:ea typeface="Cambria Math" panose="02040503050406030204" pitchFamily="18" charset="0"/>
+                        </a:rPr>
+                        <m:t>  </m:t>
+                      </m:r>
+                    </m:oMath>
+                  </m:oMathPara>
+                </a14:m>
+                <a:endParaRPr lang="zh-TW" altLang="en-US" dirty="0"/>
+              </a:p>
+            </p:txBody>
+          </p:sp>
+        </mc:Choice>
+        <mc:Fallback>
+          <p:sp>
+            <p:nvSpPr>
+              <p:cNvPr id="10" name="矩形 9">
+                <a:extLst>
+                  <a:ext uri="{FF2B5EF4-FFF2-40B4-BE49-F238E27FC236}">
+                    <a16:creationId xmlns:a16="http://schemas.microsoft.com/office/drawing/2014/main" id="{C021C3AD-B57E-40BF-846B-9FB9D06B165F}"/>
+                  </a:ext>
+                </a:extLst>
+              </p:cNvPr>
+              <p:cNvSpPr>
+                <a:spLocks noRot="1" noChangeAspect="1" noMove="1" noResize="1" noEditPoints="1" noAdjustHandles="1" noChangeArrowheads="1" noChangeShapeType="1" noTextEdit="1"/>
+              </p:cNvSpPr>
+              <p:nvPr/>
+            </p:nvSpPr>
+            <p:spPr>
+              <a:xfrm>
+                <a:off x="9543051" y="67265"/>
+                <a:ext cx="2552070" cy="972702"/>
+              </a:xfrm>
+              <a:prstGeom prst="rect">
+                <a:avLst/>
+              </a:prstGeom>
+              <a:blipFill>
+                <a:blip r:embed="rId5"/>
+                <a:stretch>
+                  <a:fillRect/>
+                </a:stretch>
+              </a:blipFill>
+            </p:spPr>
+            <p:txBody>
+              <a:bodyPr/>
+              <a:lstStyle/>
+              <a:p>
+                <a:r>
+                  <a:rPr lang="zh-TW" altLang="en-US">
+                    <a:noFill/>
+                  </a:rPr>
+                  <a:t> </a:t>
+                </a:r>
+              </a:p>
+            </p:txBody>
+          </p:sp>
+        </mc:Fallback>
+      </mc:AlternateContent>
+      <mc:AlternateContent xmlns:mc="http://schemas.openxmlformats.org/markup-compatibility/2006">
+        <mc:Choice xmlns:a14="http://schemas.microsoft.com/office/drawing/2010/main" Requires="a14">
+          <p:sp>
+            <p:nvSpPr>
+              <p:cNvPr id="11" name="矩形 10">
+                <a:extLst>
+                  <a:ext uri="{FF2B5EF4-FFF2-40B4-BE49-F238E27FC236}">
+                    <a16:creationId xmlns:a16="http://schemas.microsoft.com/office/drawing/2014/main" id="{67AB1D99-24FE-4F98-A6EA-406A0A7BFFB7}"/>
+                  </a:ext>
+                </a:extLst>
+              </p:cNvPr>
+              <p:cNvSpPr/>
+              <p:nvPr/>
+            </p:nvSpPr>
+            <p:spPr>
+              <a:xfrm>
+                <a:off x="9023707" y="1104485"/>
+                <a:ext cx="2552070" cy="855875"/>
+              </a:xfrm>
+              <a:prstGeom prst="rect">
+                <a:avLst/>
+              </a:prstGeom>
+            </p:spPr>
+            <p:txBody>
+              <a:bodyPr wrap="square">
+                <a:spAutoFit/>
+              </a:bodyPr>
+              <a:lstStyle/>
+              <a:p>
+                <a:pPr/>
+                <a14:m>
+                  <m:oMathPara xmlns:m="http://schemas.openxmlformats.org/officeDocument/2006/math">
+                    <m:oMathParaPr>
+                      <m:jc m:val="centerGroup"/>
+                    </m:oMathParaPr>
+                    <m:oMath xmlns:m="http://schemas.openxmlformats.org/officeDocument/2006/math">
+                      <m:r>
+                        <a:rPr lang="en-US" altLang="zh-TW" i="1" smtClean="0">
+                          <a:latin typeface="Cambria Math" panose="02040503050406030204" pitchFamily="18" charset="0"/>
+                          <a:ea typeface="Cambria Math" panose="02040503050406030204" pitchFamily="18" charset="0"/>
+                        </a:rPr>
+                        <m:t> </m:t>
+                      </m:r>
+                      <m:r>
+                        <a:rPr lang="en-US" altLang="zh-TW" b="0" i="1" smtClean="0">
+                          <a:latin typeface="Cambria Math" panose="02040503050406030204" pitchFamily="18" charset="0"/>
+                          <a:ea typeface="Cambria Math" panose="02040503050406030204" pitchFamily="18" charset="0"/>
+                        </a:rPr>
+                        <m:t>  </m:t>
+                      </m:r>
+                      <m:r>
+                        <a:rPr lang="en-US" altLang="zh-TW" i="1" smtClean="0">
+                          <a:latin typeface="Cambria Math" panose="02040503050406030204" pitchFamily="18" charset="0"/>
+                          <a:ea typeface="Cambria Math" panose="02040503050406030204" pitchFamily="18" charset="0"/>
+                        </a:rPr>
+                        <m:t> </m:t>
+                      </m:r>
+                      <m:d>
+                        <m:dPr>
+                          <m:begChr m:val="["/>
+                          <m:endChr m:val="]"/>
+                          <m:ctrlPr>
+                            <a:rPr lang="en-US" altLang="zh-TW" i="1">
+                              <a:latin typeface="Cambria Math" panose="02040503050406030204" pitchFamily="18" charset="0"/>
+                              <a:ea typeface="Cambria Math" panose="02040503050406030204" pitchFamily="18" charset="0"/>
+                            </a:rPr>
+                          </m:ctrlPr>
+                        </m:dPr>
+                        <m:e>
+                          <m:m>
+                            <m:mPr>
+                              <m:mcs>
+                                <m:mc>
+                                  <m:mcPr>
+                                    <m:count m:val="3"/>
+                                    <m:mcJc m:val="center"/>
+                                  </m:mcPr>
+                                </m:mc>
+                              </m:mcs>
+                              <m:ctrlPr>
+                                <a:rPr lang="en-US" altLang="zh-TW" i="1">
+                                  <a:latin typeface="Cambria Math" panose="02040503050406030204" pitchFamily="18" charset="0"/>
+                                  <a:ea typeface="Cambria Math" panose="02040503050406030204" pitchFamily="18" charset="0"/>
+                                </a:rPr>
+                              </m:ctrlPr>
+                            </m:mPr>
+                            <m:mr>
+                              <m:e>
+                                <m:r>
+                                  <m:rPr>
+                                    <m:brk m:alnAt="7"/>
+                                  </m:rPr>
+                                  <a:rPr lang="en-US" altLang="zh-TW" b="0" i="1" smtClean="0">
+                                    <a:latin typeface="Cambria Math" panose="02040503050406030204" pitchFamily="18" charset="0"/>
+                                    <a:ea typeface="Cambria Math" panose="02040503050406030204" pitchFamily="18" charset="0"/>
+                                  </a:rPr>
+                                  <m:t>0</m:t>
+                                </m:r>
+                              </m:e>
+                              <m:e>
+                                <m:r>
+                                  <a:rPr lang="en-US" altLang="zh-TW" b="0" i="1" smtClean="0">
+                                    <a:latin typeface="Cambria Math" panose="02040503050406030204" pitchFamily="18" charset="0"/>
+                                    <a:ea typeface="Cambria Math" panose="02040503050406030204" pitchFamily="18" charset="0"/>
+                                  </a:rPr>
+                                  <m:t>0</m:t>
+                                </m:r>
+                              </m:e>
+                              <m:e>
+                                <m:r>
+                                  <a:rPr lang="en-US" altLang="zh-TW" b="0" i="1" smtClean="0">
+                                    <a:latin typeface="Cambria Math" panose="02040503050406030204" pitchFamily="18" charset="0"/>
+                                    <a:ea typeface="Cambria Math" panose="02040503050406030204" pitchFamily="18" charset="0"/>
+                                  </a:rPr>
+                                  <m:t>0</m:t>
+                                </m:r>
+                              </m:e>
+                            </m:mr>
+                            <m:mr>
+                              <m:e>
+                                <m:r>
+                                  <a:rPr lang="en-US" altLang="zh-TW" b="0" i="1" smtClean="0">
+                                    <a:latin typeface="Cambria Math" panose="02040503050406030204" pitchFamily="18" charset="0"/>
+                                    <a:ea typeface="Cambria Math" panose="02040503050406030204" pitchFamily="18" charset="0"/>
+                                  </a:rPr>
+                                  <m:t>0</m:t>
+                                </m:r>
+                              </m:e>
+                              <m:e>
+                                <m:r>
+                                  <a:rPr lang="en-US" altLang="zh-TW" b="0" i="1" smtClean="0">
+                                    <a:latin typeface="Cambria Math" panose="02040503050406030204" pitchFamily="18" charset="0"/>
+                                    <a:ea typeface="Cambria Math" panose="02040503050406030204" pitchFamily="18" charset="0"/>
+                                  </a:rPr>
+                                  <m:t>1</m:t>
+                                </m:r>
+                              </m:e>
+                              <m:e>
+                                <m:r>
+                                  <a:rPr lang="en-US" altLang="zh-TW" b="0" i="1" smtClean="0">
+                                    <a:latin typeface="Cambria Math" panose="02040503050406030204" pitchFamily="18" charset="0"/>
+                                    <a:ea typeface="Cambria Math" panose="02040503050406030204" pitchFamily="18" charset="0"/>
+                                  </a:rPr>
+                                  <m:t>0</m:t>
+                                </m:r>
+                              </m:e>
+                            </m:mr>
+                            <m:mr>
+                              <m:e>
+                                <m:r>
+                                  <a:rPr lang="en-US" altLang="zh-TW" b="0" i="1" smtClean="0">
+                                    <a:latin typeface="Cambria Math" panose="02040503050406030204" pitchFamily="18" charset="0"/>
+                                    <a:ea typeface="Cambria Math" panose="02040503050406030204" pitchFamily="18" charset="0"/>
+                                  </a:rPr>
+                                  <m:t>0</m:t>
+                                </m:r>
+                              </m:e>
+                              <m:e>
+                                <m:r>
+                                  <a:rPr lang="en-US" altLang="zh-TW" b="0" i="1" smtClean="0">
+                                    <a:latin typeface="Cambria Math" panose="02040503050406030204" pitchFamily="18" charset="0"/>
+                                    <a:ea typeface="Cambria Math" panose="02040503050406030204" pitchFamily="18" charset="0"/>
+                                  </a:rPr>
+                                  <m:t>0</m:t>
+                                </m:r>
+                              </m:e>
+                              <m:e>
+                                <m:r>
+                                  <a:rPr lang="en-US" altLang="zh-TW" b="0" i="1" smtClean="0">
+                                    <a:latin typeface="Cambria Math" panose="02040503050406030204" pitchFamily="18" charset="0"/>
+                                    <a:ea typeface="Cambria Math" panose="02040503050406030204" pitchFamily="18" charset="0"/>
+                                  </a:rPr>
+                                  <m:t>0</m:t>
+                                </m:r>
+                              </m:e>
+                            </m:mr>
+                          </m:m>
+                        </m:e>
+                      </m:d>
+                      <m:r>
+                        <a:rPr lang="en-US" altLang="zh-TW" i="1">
+                          <a:latin typeface="Cambria Math" panose="02040503050406030204" pitchFamily="18" charset="0"/>
+                          <a:ea typeface="Cambria Math" panose="02040503050406030204" pitchFamily="18" charset="0"/>
+                        </a:rPr>
+                        <m:t>  </m:t>
+                      </m:r>
+                    </m:oMath>
+                  </m:oMathPara>
+                </a14:m>
+                <a:endParaRPr lang="zh-TW" altLang="en-US" dirty="0"/>
+              </a:p>
+            </p:txBody>
+          </p:sp>
+        </mc:Choice>
+        <mc:Fallback>
+          <p:sp>
+            <p:nvSpPr>
+              <p:cNvPr id="11" name="矩形 10">
+                <a:extLst>
+                  <a:ext uri="{FF2B5EF4-FFF2-40B4-BE49-F238E27FC236}">
+                    <a16:creationId xmlns:a16="http://schemas.microsoft.com/office/drawing/2014/main" id="{67AB1D99-24FE-4F98-A6EA-406A0A7BFFB7}"/>
+                  </a:ext>
+                </a:extLst>
+              </p:cNvPr>
+              <p:cNvSpPr>
+                <a:spLocks noRot="1" noChangeAspect="1" noMove="1" noResize="1" noEditPoints="1" noAdjustHandles="1" noChangeArrowheads="1" noChangeShapeType="1" noTextEdit="1"/>
+              </p:cNvSpPr>
+              <p:nvPr/>
+            </p:nvSpPr>
+            <p:spPr>
+              <a:xfrm>
+                <a:off x="9023707" y="1104485"/>
+                <a:ext cx="2552070" cy="855875"/>
+              </a:xfrm>
+              <a:prstGeom prst="rect">
+                <a:avLst/>
+              </a:prstGeom>
+              <a:blipFill>
+                <a:blip r:embed="rId6"/>
+                <a:stretch>
+                  <a:fillRect/>
+                </a:stretch>
+              </a:blipFill>
+            </p:spPr>
+            <p:txBody>
+              <a:bodyPr/>
+              <a:lstStyle/>
+              <a:p>
+                <a:r>
+                  <a:rPr lang="zh-TW" altLang="en-US">
+                    <a:noFill/>
+                  </a:rPr>
+                  <a:t> </a:t>
+                </a:r>
+              </a:p>
+            </p:txBody>
+          </p:sp>
+        </mc:Fallback>
+      </mc:AlternateContent>
+      <p:sp>
+        <p:nvSpPr>
+          <p:cNvPr id="3" name="文字方塊 2">
+            <a:extLst>
+              <a:ext uri="{FF2B5EF4-FFF2-40B4-BE49-F238E27FC236}">
+                <a16:creationId xmlns:a16="http://schemas.microsoft.com/office/drawing/2014/main" id="{7DD1F203-0242-497B-A08C-F2BC977C440F}"/>
+              </a:ext>
+            </a:extLst>
+          </p:cNvPr>
+          <p:cNvSpPr txBox="1"/>
+          <p:nvPr/>
+        </p:nvSpPr>
+        <p:spPr>
+          <a:xfrm>
+            <a:off x="9023707" y="424786"/>
+            <a:ext cx="1038687" cy="369332"/>
+          </a:xfrm>
+          <a:prstGeom prst="rect">
+            <a:avLst/>
+          </a:prstGeom>
+          <a:noFill/>
+        </p:spPr>
+        <p:txBody>
+          <a:bodyPr wrap="square" rtlCol="0">
+            <a:spAutoFit/>
+          </a:bodyPr>
+          <a:lstStyle/>
+          <a:p>
+            <a:r>
+              <a:rPr lang="en-US" altLang="zh-TW" dirty="0"/>
+              <a:t>F1 =</a:t>
+            </a:r>
+            <a:endParaRPr lang="zh-TW" altLang="en-US" dirty="0"/>
+          </a:p>
+        </p:txBody>
+      </p:sp>
+      <p:sp>
+        <p:nvSpPr>
+          <p:cNvPr id="14" name="文字方塊 13">
+            <a:extLst>
+              <a:ext uri="{FF2B5EF4-FFF2-40B4-BE49-F238E27FC236}">
+                <a16:creationId xmlns:a16="http://schemas.microsoft.com/office/drawing/2014/main" id="{38C79FF2-4554-46E0-A26D-596EDB390D4A}"/>
+              </a:ext>
+            </a:extLst>
+          </p:cNvPr>
+          <p:cNvSpPr txBox="1"/>
+          <p:nvPr/>
+        </p:nvSpPr>
+        <p:spPr>
+          <a:xfrm>
+            <a:off x="9023707" y="1323285"/>
+            <a:ext cx="1038687" cy="369332"/>
+          </a:xfrm>
+          <a:prstGeom prst="rect">
+            <a:avLst/>
+          </a:prstGeom>
+          <a:noFill/>
+        </p:spPr>
+        <p:txBody>
+          <a:bodyPr wrap="square" rtlCol="0">
+            <a:spAutoFit/>
+          </a:bodyPr>
+          <a:lstStyle/>
+          <a:p>
+            <a:r>
+              <a:rPr lang="en-US" altLang="zh-TW" dirty="0"/>
+              <a:t>F2 =</a:t>
+            </a:r>
+            <a:endParaRPr lang="zh-TW" altLang="en-US" dirty="0"/>
+          </a:p>
+        </p:txBody>
+      </p:sp>
+      <p:sp>
+        <p:nvSpPr>
+          <p:cNvPr id="4" name="矩形 3">
+            <a:extLst>
+              <a:ext uri="{FF2B5EF4-FFF2-40B4-BE49-F238E27FC236}">
+                <a16:creationId xmlns:a16="http://schemas.microsoft.com/office/drawing/2014/main" id="{86CDAC9A-9243-4993-A069-1CACF11DFE6D}"/>
+              </a:ext>
+            </a:extLst>
+          </p:cNvPr>
+          <p:cNvSpPr/>
+          <p:nvPr/>
+        </p:nvSpPr>
+        <p:spPr>
+          <a:xfrm>
+            <a:off x="4313061" y="5135884"/>
+            <a:ext cx="1754824" cy="369332"/>
+          </a:xfrm>
+          <a:prstGeom prst="rect">
+            <a:avLst/>
+          </a:prstGeom>
+        </p:spPr>
+        <p:txBody>
+          <a:bodyPr wrap="square">
+            <a:spAutoFit/>
+          </a:bodyPr>
+          <a:lstStyle/>
+          <a:p>
+            <a:r>
+              <a:rPr lang="en-US" altLang="zh-TW" dirty="0"/>
+              <a:t>(Origin * F1 * F2)</a:t>
+            </a:r>
+            <a:endParaRPr lang="zh-TW" altLang="en-US" dirty="0"/>
+          </a:p>
+        </p:txBody>
+      </p:sp>
+      <p:sp>
+        <p:nvSpPr>
+          <p:cNvPr id="16" name="矩形 15">
+            <a:extLst>
+              <a:ext uri="{FF2B5EF4-FFF2-40B4-BE49-F238E27FC236}">
+                <a16:creationId xmlns:a16="http://schemas.microsoft.com/office/drawing/2014/main" id="{885168E6-EB9B-46A6-82A2-CBED6773C103}"/>
+              </a:ext>
+            </a:extLst>
+          </p:cNvPr>
+          <p:cNvSpPr/>
+          <p:nvPr/>
+        </p:nvSpPr>
+        <p:spPr>
+          <a:xfrm>
+            <a:off x="7446439" y="5131248"/>
+            <a:ext cx="1754824" cy="369332"/>
+          </a:xfrm>
+          <a:prstGeom prst="rect">
+            <a:avLst/>
+          </a:prstGeom>
+        </p:spPr>
+        <p:txBody>
+          <a:bodyPr wrap="square">
+            <a:spAutoFit/>
+          </a:bodyPr>
+          <a:lstStyle/>
+          <a:p>
+            <a:r>
+              <a:rPr lang="en-US" altLang="zh-TW" dirty="0"/>
+              <a:t>(Origin * F1 * F1)</a:t>
+            </a:r>
+            <a:endParaRPr lang="zh-TW" altLang="en-US" dirty="0"/>
+          </a:p>
+        </p:txBody>
+      </p:sp>
     </p:spTree>
     <p:extLst>
       <p:ext uri="{BB962C8B-B14F-4D97-AF65-F5344CB8AC3E}">
@@ -13944,6 +14578,102 @@
               <a:t>result</a:t>
             </a:r>
             <a:endParaRPr lang="zh-TW" altLang="en-US" dirty="0"/>
+          </a:p>
+        </p:txBody>
+      </p:sp>
+      <p:sp>
+        <p:nvSpPr>
+          <p:cNvPr id="3" name="矩形 2">
+            <a:extLst>
+              <a:ext uri="{FF2B5EF4-FFF2-40B4-BE49-F238E27FC236}">
+                <a16:creationId xmlns:a16="http://schemas.microsoft.com/office/drawing/2014/main" id="{AA642076-9862-4BF0-A9C6-44C0F5C8B268}"/>
+              </a:ext>
+            </a:extLst>
+          </p:cNvPr>
+          <p:cNvSpPr/>
+          <p:nvPr/>
+        </p:nvSpPr>
+        <p:spPr>
+          <a:xfrm>
+            <a:off x="4122105" y="1856792"/>
+            <a:ext cx="5114258" cy="3788228"/>
+          </a:xfrm>
+          <a:prstGeom prst="rect">
+            <a:avLst/>
+          </a:prstGeom>
+          <a:noFill/>
+          <a:ln w="76200">
+            <a:solidFill>
+              <a:srgbClr val="FF0000"/>
+            </a:solidFill>
+          </a:ln>
+        </p:spPr>
+        <p:style>
+          <a:lnRef idx="2">
+            <a:schemeClr val="accent1">
+              <a:shade val="50000"/>
+            </a:schemeClr>
+          </a:lnRef>
+          <a:fillRef idx="1">
+            <a:schemeClr val="accent1"/>
+          </a:fillRef>
+          <a:effectRef idx="0">
+            <a:schemeClr val="accent1"/>
+          </a:effectRef>
+          <a:fontRef idx="minor">
+            <a:schemeClr val="lt1"/>
+          </a:fontRef>
+        </p:style>
+        <p:txBody>
+          <a:bodyPr rtlCol="0" anchor="ctr"/>
+          <a:lstStyle/>
+          <a:p>
+            <a:pPr algn="ctr"/>
+            <a:endParaRPr lang="zh-TW" altLang="en-US"/>
+          </a:p>
+        </p:txBody>
+      </p:sp>
+      <p:sp>
+        <p:nvSpPr>
+          <p:cNvPr id="14" name="文字方塊 13">
+            <a:extLst>
+              <a:ext uri="{FF2B5EF4-FFF2-40B4-BE49-F238E27FC236}">
+                <a16:creationId xmlns:a16="http://schemas.microsoft.com/office/drawing/2014/main" id="{5C364986-F179-4E67-B1D2-7F567FA7E42A}"/>
+              </a:ext>
+            </a:extLst>
+          </p:cNvPr>
+          <p:cNvSpPr txBox="1"/>
+          <p:nvPr/>
+        </p:nvSpPr>
+        <p:spPr>
+          <a:xfrm>
+            <a:off x="6106503" y="2042040"/>
+            <a:ext cx="1357987" cy="461665"/>
+          </a:xfrm>
+          <a:prstGeom prst="rect">
+            <a:avLst/>
+          </a:prstGeom>
+          <a:noFill/>
+        </p:spPr>
+        <p:txBody>
+          <a:bodyPr wrap="square" rtlCol="0">
+            <a:spAutoFit/>
+          </a:bodyPr>
+          <a:lstStyle/>
+          <a:p>
+            <a:r>
+              <a:rPr lang="en-US" altLang="zh-TW" sz="2400" dirty="0" err="1">
+                <a:solidFill>
+                  <a:srgbClr val="FF0000"/>
+                </a:solidFill>
+              </a:rPr>
+              <a:t>DC_Filter</a:t>
+            </a:r>
+            <a:endParaRPr lang="zh-TW" altLang="en-US" sz="2400" dirty="0">
+              <a:solidFill>
+                <a:srgbClr val="FF0000"/>
+              </a:solidFill>
+            </a:endParaRPr>
           </a:p>
         </p:txBody>
       </p:sp>
@@ -24431,7 +25161,7 @@
             </a:r>
             <a:r>
               <a:rPr lang="en-US" altLang="zh-TW" dirty="0"/>
-              <a:t> instead of int </a:t>
+              <a:t>&lt; &gt; instead of int </a:t>
             </a:r>
           </a:p>
           <a:p>
